--- a/docs/diagrams/ModelComponentClassDiagram.pptx
+++ b/docs/diagrams/ModelComponentClassDiagram.pptx
@@ -208,7 +208,7 @@
           <a:p>
             <a:fld id="{F5CC4B3F-88C1-4FFA-B1B6-F41C21DC6924}" type="datetimeFigureOut">
               <a:rPr lang="en-US" smtClean="0"/>
-              <a:t>12/5/2018</a:t>
+              <a:t>3/4/2019</a:t>
             </a:fld>
             <a:endParaRPr lang="en-US"/>
           </a:p>
@@ -654,7 +654,7 @@
           <a:p>
             <a:fld id="{78C97017-6FC3-485B-9764-EAC9E56C1D49}" type="datetimeFigureOut">
               <a:rPr lang="en-US" smtClean="0"/>
-              <a:t>12/5/2018</a:t>
+              <a:t>3/4/2019</a:t>
             </a:fld>
             <a:endParaRPr lang="en-US"/>
           </a:p>
@@ -822,7 +822,7 @@
           <a:p>
             <a:fld id="{78C97017-6FC3-485B-9764-EAC9E56C1D49}" type="datetimeFigureOut">
               <a:rPr lang="en-US" smtClean="0"/>
-              <a:t>12/5/2018</a:t>
+              <a:t>3/4/2019</a:t>
             </a:fld>
             <a:endParaRPr lang="en-US"/>
           </a:p>
@@ -1000,7 +1000,7 @@
           <a:p>
             <a:fld id="{78C97017-6FC3-485B-9764-EAC9E56C1D49}" type="datetimeFigureOut">
               <a:rPr lang="en-US" smtClean="0"/>
-              <a:t>12/5/2018</a:t>
+              <a:t>3/4/2019</a:t>
             </a:fld>
             <a:endParaRPr lang="en-US"/>
           </a:p>
@@ -1168,7 +1168,7 @@
           <a:p>
             <a:fld id="{78C97017-6FC3-485B-9764-EAC9E56C1D49}" type="datetimeFigureOut">
               <a:rPr lang="en-US" smtClean="0"/>
-              <a:t>12/5/2018</a:t>
+              <a:t>3/4/2019</a:t>
             </a:fld>
             <a:endParaRPr lang="en-US"/>
           </a:p>
@@ -1413,7 +1413,7 @@
           <a:p>
             <a:fld id="{78C97017-6FC3-485B-9764-EAC9E56C1D49}" type="datetimeFigureOut">
               <a:rPr lang="en-US" smtClean="0"/>
-              <a:t>12/5/2018</a:t>
+              <a:t>3/4/2019</a:t>
             </a:fld>
             <a:endParaRPr lang="en-US"/>
           </a:p>
@@ -1698,7 +1698,7 @@
           <a:p>
             <a:fld id="{78C97017-6FC3-485B-9764-EAC9E56C1D49}" type="datetimeFigureOut">
               <a:rPr lang="en-US" smtClean="0"/>
-              <a:t>12/5/2018</a:t>
+              <a:t>3/4/2019</a:t>
             </a:fld>
             <a:endParaRPr lang="en-US"/>
           </a:p>
@@ -2117,7 +2117,7 @@
           <a:p>
             <a:fld id="{78C97017-6FC3-485B-9764-EAC9E56C1D49}" type="datetimeFigureOut">
               <a:rPr lang="en-US" smtClean="0"/>
-              <a:t>12/5/2018</a:t>
+              <a:t>3/4/2019</a:t>
             </a:fld>
             <a:endParaRPr lang="en-US"/>
           </a:p>
@@ -2234,7 +2234,7 @@
           <a:p>
             <a:fld id="{78C97017-6FC3-485B-9764-EAC9E56C1D49}" type="datetimeFigureOut">
               <a:rPr lang="en-US" smtClean="0"/>
-              <a:t>12/5/2018</a:t>
+              <a:t>3/4/2019</a:t>
             </a:fld>
             <a:endParaRPr lang="en-US"/>
           </a:p>
@@ -2329,7 +2329,7 @@
           <a:p>
             <a:fld id="{78C97017-6FC3-485B-9764-EAC9E56C1D49}" type="datetimeFigureOut">
               <a:rPr lang="en-US" smtClean="0"/>
-              <a:t>12/5/2018</a:t>
+              <a:t>3/4/2019</a:t>
             </a:fld>
             <a:endParaRPr lang="en-US"/>
           </a:p>
@@ -2604,7 +2604,7 @@
           <a:p>
             <a:fld id="{78C97017-6FC3-485B-9764-EAC9E56C1D49}" type="datetimeFigureOut">
               <a:rPr lang="en-US" smtClean="0"/>
-              <a:t>12/5/2018</a:t>
+              <a:t>3/4/2019</a:t>
             </a:fld>
             <a:endParaRPr lang="en-US"/>
           </a:p>
@@ -2856,7 +2856,7 @@
           <a:p>
             <a:fld id="{78C97017-6FC3-485B-9764-EAC9E56C1D49}" type="datetimeFigureOut">
               <a:rPr lang="en-US" smtClean="0"/>
-              <a:t>12/5/2018</a:t>
+              <a:t>3/4/2019</a:t>
             </a:fld>
             <a:endParaRPr lang="en-US"/>
           </a:p>
@@ -3067,7 +3067,7 @@
           <a:p>
             <a:fld id="{78C97017-6FC3-485B-9764-EAC9E56C1D49}" type="datetimeFigureOut">
               <a:rPr lang="en-US" smtClean="0"/>
-              <a:t>12/5/2018</a:t>
+              <a:t>3/4/2019</a:t>
             </a:fld>
             <a:endParaRPr lang="en-US"/>
           </a:p>
@@ -3450,8 +3450,8 @@
         </p:nvSpPr>
         <p:spPr>
           <a:xfrm>
-            <a:off x="1119865" y="1600200"/>
-            <a:ext cx="7490735" cy="3124200"/>
+            <a:off x="514574" y="1600200"/>
+            <a:ext cx="8324626" cy="3124200"/>
           </a:xfrm>
           <a:prstGeom prst="roundRect">
             <a:avLst>
@@ -3511,7 +3511,7 @@
         </p:nvSpPr>
         <p:spPr>
           <a:xfrm>
-            <a:off x="2825280" y="3463240"/>
+            <a:off x="2219989" y="3463240"/>
             <a:ext cx="878211" cy="346760"/>
           </a:xfrm>
           <a:prstGeom prst="rect">
@@ -3567,7 +3567,7 @@
         </p:nvSpPr>
         <p:spPr>
           <a:xfrm rot="16200000">
-            <a:off x="1661548" y="3097750"/>
+            <a:off x="1056257" y="3097750"/>
             <a:ext cx="1093635" cy="346760"/>
           </a:xfrm>
           <a:prstGeom prst="rect">
@@ -3618,51 +3618,6 @@
           </a:p>
         </p:txBody>
       </p:sp>
-      <p:cxnSp>
-        <p:nvCxnSpPr>
-          <p:cNvPr id="107" name="Elbow Connector 106"/>
-          <p:cNvCxnSpPr>
-            <a:cxnSpLocks/>
-            <a:stCxn id="9" idx="1"/>
-            <a:endCxn id="62" idx="2"/>
-          </p:cNvCxnSpPr>
-          <p:nvPr/>
-        </p:nvCxnSpPr>
-        <p:spPr>
-          <a:xfrm rot="5400000" flipH="1" flipV="1">
-            <a:off x="4131507" y="1281685"/>
-            <a:ext cx="613122" cy="4459404"/>
-          </a:xfrm>
-          <a:prstGeom prst="bentConnector3">
-            <a:avLst>
-              <a:gd name="adj1" fmla="val -26668"/>
-            </a:avLst>
-          </a:prstGeom>
-          <a:ln w="19050">
-            <a:solidFill>
-              <a:srgbClr val="7030A0"/>
-            </a:solidFill>
-            <a:prstDash val="solid"/>
-            <a:headEnd type="none" w="med" len="med"/>
-            <a:tailEnd type="arrow" w="med" len="med"/>
-          </a:ln>
-          <a:effectLst/>
-        </p:spPr>
-        <p:style>
-          <a:lnRef idx="1">
-            <a:schemeClr val="accent2"/>
-          </a:lnRef>
-          <a:fillRef idx="2">
-            <a:schemeClr val="accent2"/>
-          </a:fillRef>
-          <a:effectRef idx="1">
-            <a:schemeClr val="accent2"/>
-          </a:effectRef>
-          <a:fontRef idx="minor">
-            <a:schemeClr val="dk1"/>
-          </a:fontRef>
-        </p:style>
-      </p:cxnSp>
       <p:sp>
         <p:nvSpPr>
           <p:cNvPr id="119" name="Rectangle 62"/>
@@ -3671,7 +3626,7 @@
         </p:nvSpPr>
         <p:spPr>
           <a:xfrm rot="16200000">
-            <a:off x="956202" y="2861202"/>
+            <a:off x="350911" y="2861202"/>
             <a:ext cx="1093635" cy="346760"/>
           </a:xfrm>
           <a:prstGeom prst="rect">
@@ -3741,7 +3696,7 @@
         </p:nvSpPr>
         <p:spPr>
           <a:xfrm rot="16200000">
-            <a:off x="1626910" y="2952291"/>
+            <a:off x="1021619" y="2952291"/>
             <a:ext cx="270504" cy="175523"/>
           </a:xfrm>
           <a:prstGeom prst="triangle">
@@ -3792,7 +3747,7 @@
         </p:nvCxnSpPr>
         <p:spPr>
           <a:xfrm>
-            <a:off x="2609828" y="3636620"/>
+            <a:off x="2004537" y="3636620"/>
             <a:ext cx="215452" cy="0"/>
           </a:xfrm>
           <a:prstGeom prst="straightConnector1">
@@ -3830,7 +3785,7 @@
         </p:nvCxnSpPr>
         <p:spPr>
           <a:xfrm>
-            <a:off x="910091" y="3040053"/>
+            <a:off x="304800" y="3040053"/>
             <a:ext cx="419548" cy="2860"/>
           </a:xfrm>
           <a:prstGeom prst="bentConnector3">
@@ -3875,7 +3830,7 @@
         </p:nvCxnSpPr>
         <p:spPr>
           <a:xfrm flipV="1">
-            <a:off x="1849924" y="3040052"/>
+            <a:off x="1244633" y="3040052"/>
             <a:ext cx="216105" cy="1"/>
           </a:xfrm>
           <a:prstGeom prst="line">
@@ -3914,7 +3869,7 @@
         </p:nvSpPr>
         <p:spPr>
           <a:xfrm>
-            <a:off x="2373780" y="3549930"/>
+            <a:off x="1768489" y="3549930"/>
             <a:ext cx="236048" cy="173380"/>
           </a:xfrm>
           <a:prstGeom prst="flowChartDecision">
@@ -3951,74 +3906,18 @@
           </a:p>
         </p:txBody>
       </p:sp>
-      <p:sp>
-        <p:nvSpPr>
-          <p:cNvPr id="46" name="Rectangle 8"/>
-          <p:cNvSpPr/>
-          <p:nvPr/>
-        </p:nvSpPr>
-        <p:spPr>
-          <a:xfrm>
-            <a:off x="2825280" y="2846162"/>
-            <a:ext cx="1490560" cy="334856"/>
-          </a:xfrm>
-          <a:prstGeom prst="rect">
-            <a:avLst/>
-          </a:prstGeom>
-          <a:ln w="19050">
-            <a:solidFill>
-              <a:srgbClr val="7030A0"/>
-            </a:solidFill>
-          </a:ln>
-          <a:effectLst/>
-        </p:spPr>
-        <p:style>
-          <a:lnRef idx="1">
-            <a:schemeClr val="accent4"/>
-          </a:lnRef>
-          <a:fillRef idx="2">
-            <a:schemeClr val="accent4"/>
-          </a:fillRef>
-          <a:effectRef idx="1">
-            <a:schemeClr val="accent4"/>
-          </a:effectRef>
-          <a:fontRef idx="minor">
-            <a:schemeClr val="dk1"/>
-          </a:fontRef>
-        </p:style>
-        <p:txBody>
-          <a:bodyPr rtlCol="0" anchor="ctr"/>
-          <a:lstStyle/>
-          <a:p>
-            <a:pPr algn="ctr"/>
-            <a:r>
-              <a:rPr lang="en-US" sz="1050" dirty="0" err="1">
-                <a:solidFill>
-                  <a:srgbClr val="7030A0"/>
-                </a:solidFill>
-              </a:rPr>
-              <a:t>VersionedAddressBook</a:t>
-            </a:r>
-            <a:endParaRPr lang="en-SG" sz="1050" dirty="0">
-              <a:solidFill>
-                <a:srgbClr val="7030A0"/>
-              </a:solidFill>
-            </a:endParaRPr>
-          </a:p>
-        </p:txBody>
-      </p:sp>
       <p:cxnSp>
         <p:nvCxnSpPr>
           <p:cNvPr id="47" name="Straight Arrow Connector 46"/>
           <p:cNvCxnSpPr>
+            <a:cxnSpLocks/>
             <a:stCxn id="48" idx="3"/>
-            <a:endCxn id="46" idx="1"/>
           </p:cNvCxnSpPr>
           <p:nvPr/>
         </p:nvCxnSpPr>
         <p:spPr>
           <a:xfrm>
-            <a:off x="2624360" y="3003033"/>
+            <a:off x="2019069" y="3003033"/>
             <a:ext cx="200920" cy="10557"/>
           </a:xfrm>
           <a:prstGeom prst="straightConnector1">
@@ -4056,7 +3955,7 @@
         </p:nvSpPr>
         <p:spPr>
           <a:xfrm>
-            <a:off x="2388312" y="2916343"/>
+            <a:off x="1783021" y="2916343"/>
             <a:ext cx="236048" cy="173380"/>
           </a:xfrm>
           <a:prstGeom prst="flowChartDecision">
@@ -4093,685 +3992,6 @@
           </a:p>
         </p:txBody>
       </p:sp>
-      <p:sp>
-        <p:nvSpPr>
-          <p:cNvPr id="49" name="Rectangle 8"/>
-          <p:cNvSpPr/>
-          <p:nvPr/>
-        </p:nvSpPr>
-        <p:spPr>
-          <a:xfrm>
-            <a:off x="4692650" y="2846162"/>
-            <a:ext cx="1156969" cy="346760"/>
-          </a:xfrm>
-          <a:prstGeom prst="rect">
-            <a:avLst/>
-          </a:prstGeom>
-          <a:ln w="19050">
-            <a:solidFill>
-              <a:srgbClr val="7030A0"/>
-            </a:solidFill>
-          </a:ln>
-          <a:effectLst/>
-        </p:spPr>
-        <p:style>
-          <a:lnRef idx="1">
-            <a:schemeClr val="accent4"/>
-          </a:lnRef>
-          <a:fillRef idx="2">
-            <a:schemeClr val="accent4"/>
-          </a:fillRef>
-          <a:effectRef idx="1">
-            <a:schemeClr val="accent4"/>
-          </a:effectRef>
-          <a:fontRef idx="minor">
-            <a:schemeClr val="dk1"/>
-          </a:fontRef>
-        </p:style>
-        <p:txBody>
-          <a:bodyPr rtlCol="0" anchor="ctr"/>
-          <a:lstStyle/>
-          <a:p>
-            <a:pPr algn="ctr"/>
-            <a:r>
-              <a:rPr lang="en-US" sz="1050" dirty="0" err="1">
-                <a:solidFill>
-                  <a:srgbClr val="7030A0"/>
-                </a:solidFill>
-              </a:rPr>
-              <a:t>UniquePersonList</a:t>
-            </a:r>
-            <a:endParaRPr lang="en-SG" sz="1050" dirty="0">
-              <a:solidFill>
-                <a:srgbClr val="7030A0"/>
-              </a:solidFill>
-            </a:endParaRPr>
-          </a:p>
-        </p:txBody>
-      </p:sp>
-      <p:sp>
-        <p:nvSpPr>
-          <p:cNvPr id="51" name="Flowchart: Decision 96"/>
-          <p:cNvSpPr/>
-          <p:nvPr/>
-        </p:nvSpPr>
-        <p:spPr>
-          <a:xfrm>
-            <a:off x="4324972" y="2920532"/>
-            <a:ext cx="236048" cy="173380"/>
-          </a:xfrm>
-          <a:prstGeom prst="flowChartDecision">
-            <a:avLst/>
-          </a:prstGeom>
-          <a:solidFill>
-            <a:srgbClr val="7030A0"/>
-          </a:solidFill>
-          <a:ln w="19050">
-            <a:solidFill>
-              <a:srgbClr val="7030A0"/>
-            </a:solidFill>
-          </a:ln>
-          <a:effectLst/>
-        </p:spPr>
-        <p:style>
-          <a:lnRef idx="1">
-            <a:schemeClr val="accent6"/>
-          </a:lnRef>
-          <a:fillRef idx="2">
-            <a:schemeClr val="accent6"/>
-          </a:fillRef>
-          <a:effectRef idx="1">
-            <a:schemeClr val="accent6"/>
-          </a:effectRef>
-          <a:fontRef idx="minor">
-            <a:schemeClr val="dk1"/>
-          </a:fontRef>
-        </p:style>
-        <p:txBody>
-          <a:bodyPr rtlCol="0" anchor="ctr"/>
-          <a:lstStyle/>
-          <a:p>
-            <a:pPr algn="ctr"/>
-            <a:endParaRPr lang="en-US" sz="1050"/>
-          </a:p>
-        </p:txBody>
-      </p:sp>
-      <p:sp>
-        <p:nvSpPr>
-          <p:cNvPr id="62" name="Rectangle 8"/>
-          <p:cNvSpPr/>
-          <p:nvPr/>
-        </p:nvSpPr>
-        <p:spPr>
-          <a:xfrm>
-            <a:off x="6313677" y="2858066"/>
-            <a:ext cx="708186" cy="346760"/>
-          </a:xfrm>
-          <a:prstGeom prst="rect">
-            <a:avLst/>
-          </a:prstGeom>
-          <a:ln w="19050">
-            <a:solidFill>
-              <a:srgbClr val="7030A0"/>
-            </a:solidFill>
-          </a:ln>
-          <a:effectLst/>
-        </p:spPr>
-        <p:style>
-          <a:lnRef idx="1">
-            <a:schemeClr val="accent4"/>
-          </a:lnRef>
-          <a:fillRef idx="2">
-            <a:schemeClr val="accent4"/>
-          </a:fillRef>
-          <a:effectRef idx="1">
-            <a:schemeClr val="accent4"/>
-          </a:effectRef>
-          <a:fontRef idx="minor">
-            <a:schemeClr val="dk1"/>
-          </a:fontRef>
-        </p:style>
-        <p:txBody>
-          <a:bodyPr rtlCol="0" anchor="ctr"/>
-          <a:lstStyle/>
-          <a:p>
-            <a:pPr algn="ctr"/>
-            <a:r>
-              <a:rPr lang="en-US" sz="1050" dirty="0">
-                <a:solidFill>
-                  <a:srgbClr val="7030A0"/>
-                </a:solidFill>
-              </a:rPr>
-              <a:t>Person</a:t>
-            </a:r>
-            <a:endParaRPr lang="en-SG" sz="1050" dirty="0">
-              <a:solidFill>
-                <a:srgbClr val="7030A0"/>
-              </a:solidFill>
-            </a:endParaRPr>
-          </a:p>
-        </p:txBody>
-      </p:sp>
-      <p:sp>
-        <p:nvSpPr>
-          <p:cNvPr id="63" name="Flowchart: Decision 96"/>
-          <p:cNvSpPr/>
-          <p:nvPr/>
-        </p:nvSpPr>
-        <p:spPr>
-          <a:xfrm>
-            <a:off x="5858751" y="2941676"/>
-            <a:ext cx="236048" cy="173380"/>
-          </a:xfrm>
-          <a:prstGeom prst="flowChartDecision">
-            <a:avLst/>
-          </a:prstGeom>
-          <a:noFill/>
-          <a:ln w="19050">
-            <a:solidFill>
-              <a:srgbClr val="7030A0"/>
-            </a:solidFill>
-          </a:ln>
-          <a:effectLst/>
-        </p:spPr>
-        <p:style>
-          <a:lnRef idx="1">
-            <a:schemeClr val="accent6"/>
-          </a:lnRef>
-          <a:fillRef idx="2">
-            <a:schemeClr val="accent6"/>
-          </a:fillRef>
-          <a:effectRef idx="1">
-            <a:schemeClr val="accent6"/>
-          </a:effectRef>
-          <a:fontRef idx="minor">
-            <a:schemeClr val="dk1"/>
-          </a:fontRef>
-        </p:style>
-        <p:txBody>
-          <a:bodyPr rtlCol="0" anchor="ctr"/>
-          <a:lstStyle/>
-          <a:p>
-            <a:pPr algn="ctr"/>
-            <a:endParaRPr lang="en-US" sz="1050"/>
-          </a:p>
-        </p:txBody>
-      </p:sp>
-      <p:cxnSp>
-        <p:nvCxnSpPr>
-          <p:cNvPr id="64" name="Elbow Connector 63"/>
-          <p:cNvCxnSpPr>
-            <a:stCxn id="63" idx="3"/>
-            <a:endCxn id="62" idx="1"/>
-          </p:cNvCxnSpPr>
-          <p:nvPr/>
-        </p:nvCxnSpPr>
-        <p:spPr>
-          <a:xfrm>
-            <a:off x="6094799" y="3028366"/>
-            <a:ext cx="218878" cy="3080"/>
-          </a:xfrm>
-          <a:prstGeom prst="bentConnector3">
-            <a:avLst/>
-          </a:prstGeom>
-          <a:ln w="19050">
-            <a:solidFill>
-              <a:srgbClr val="7030A0"/>
-            </a:solidFill>
-            <a:headEnd type="none" w="med" len="med"/>
-            <a:tailEnd type="arrow" w="med" len="med"/>
-          </a:ln>
-          <a:effectLst/>
-        </p:spPr>
-        <p:style>
-          <a:lnRef idx="1">
-            <a:schemeClr val="accent2"/>
-          </a:lnRef>
-          <a:fillRef idx="2">
-            <a:schemeClr val="accent2"/>
-          </a:fillRef>
-          <a:effectRef idx="1">
-            <a:schemeClr val="accent2"/>
-          </a:effectRef>
-          <a:fontRef idx="minor">
-            <a:schemeClr val="dk1"/>
-          </a:fontRef>
-        </p:style>
-      </p:cxnSp>
-      <p:sp>
-        <p:nvSpPr>
-          <p:cNvPr id="76" name="Rectangle 8"/>
-          <p:cNvSpPr/>
-          <p:nvPr/>
-        </p:nvSpPr>
-        <p:spPr>
-          <a:xfrm>
-            <a:off x="7712397" y="2564238"/>
-            <a:ext cx="708186" cy="285783"/>
-          </a:xfrm>
-          <a:prstGeom prst="rect">
-            <a:avLst/>
-          </a:prstGeom>
-          <a:ln w="19050">
-            <a:solidFill>
-              <a:srgbClr val="7030A0"/>
-            </a:solidFill>
-          </a:ln>
-          <a:effectLst/>
-        </p:spPr>
-        <p:style>
-          <a:lnRef idx="1">
-            <a:schemeClr val="accent4"/>
-          </a:lnRef>
-          <a:fillRef idx="2">
-            <a:schemeClr val="accent4"/>
-          </a:fillRef>
-          <a:effectRef idx="1">
-            <a:schemeClr val="accent4"/>
-          </a:effectRef>
-          <a:fontRef idx="minor">
-            <a:schemeClr val="dk1"/>
-          </a:fontRef>
-        </p:style>
-        <p:txBody>
-          <a:bodyPr rtlCol="0" anchor="ctr"/>
-          <a:lstStyle/>
-          <a:p>
-            <a:pPr algn="ctr"/>
-            <a:r>
-              <a:rPr lang="en-US" sz="1050" dirty="0">
-                <a:solidFill>
-                  <a:srgbClr val="7030A0"/>
-                </a:solidFill>
-              </a:rPr>
-              <a:t>Name</a:t>
-            </a:r>
-            <a:endParaRPr lang="en-SG" sz="1050" dirty="0">
-              <a:solidFill>
-                <a:srgbClr val="7030A0"/>
-              </a:solidFill>
-            </a:endParaRPr>
-          </a:p>
-        </p:txBody>
-      </p:sp>
-      <p:sp>
-        <p:nvSpPr>
-          <p:cNvPr id="78" name="Flowchart: Decision 96"/>
-          <p:cNvSpPr/>
-          <p:nvPr/>
-        </p:nvSpPr>
-        <p:spPr>
-          <a:xfrm>
-            <a:off x="7041947" y="2948201"/>
-            <a:ext cx="236048" cy="173380"/>
-          </a:xfrm>
-          <a:prstGeom prst="flowChartDecision">
-            <a:avLst/>
-          </a:prstGeom>
-          <a:solidFill>
-            <a:srgbClr val="7030A0"/>
-          </a:solidFill>
-          <a:ln w="19050">
-            <a:solidFill>
-              <a:srgbClr val="7030A0"/>
-            </a:solidFill>
-          </a:ln>
-          <a:effectLst/>
-        </p:spPr>
-        <p:style>
-          <a:lnRef idx="1">
-            <a:schemeClr val="accent6"/>
-          </a:lnRef>
-          <a:fillRef idx="2">
-            <a:schemeClr val="accent6"/>
-          </a:fillRef>
-          <a:effectRef idx="1">
-            <a:schemeClr val="accent6"/>
-          </a:effectRef>
-          <a:fontRef idx="minor">
-            <a:schemeClr val="dk1"/>
-          </a:fontRef>
-        </p:style>
-        <p:txBody>
-          <a:bodyPr rtlCol="0" anchor="ctr"/>
-          <a:lstStyle/>
-          <a:p>
-            <a:pPr algn="ctr"/>
-            <a:endParaRPr lang="en-US" sz="1050"/>
-          </a:p>
-        </p:txBody>
-      </p:sp>
-      <p:cxnSp>
-        <p:nvCxnSpPr>
-          <p:cNvPr id="79" name="Elbow Connector 78"/>
-          <p:cNvCxnSpPr>
-            <a:cxnSpLocks/>
-          </p:cNvCxnSpPr>
-          <p:nvPr/>
-        </p:nvCxnSpPr>
-        <p:spPr>
-          <a:xfrm flipV="1">
-            <a:off x="7277995" y="2706821"/>
-            <a:ext cx="434402" cy="327761"/>
-          </a:xfrm>
-          <a:prstGeom prst="bentConnector3">
-            <a:avLst/>
-          </a:prstGeom>
-          <a:ln w="19050">
-            <a:solidFill>
-              <a:srgbClr val="7030A0"/>
-            </a:solidFill>
-            <a:headEnd type="none" w="med" len="med"/>
-            <a:tailEnd type="arrow" w="med" len="med"/>
-          </a:ln>
-          <a:effectLst/>
-        </p:spPr>
-        <p:style>
-          <a:lnRef idx="1">
-            <a:schemeClr val="accent2"/>
-          </a:lnRef>
-          <a:fillRef idx="2">
-            <a:schemeClr val="accent2"/>
-          </a:fillRef>
-          <a:effectRef idx="1">
-            <a:schemeClr val="accent2"/>
-          </a:effectRef>
-          <a:fontRef idx="minor">
-            <a:schemeClr val="dk1"/>
-          </a:fontRef>
-        </p:style>
-      </p:cxnSp>
-      <p:sp>
-        <p:nvSpPr>
-          <p:cNvPr id="80" name="Rectangle 8"/>
-          <p:cNvSpPr/>
-          <p:nvPr/>
-        </p:nvSpPr>
-        <p:spPr>
-          <a:xfrm>
-            <a:off x="7712397" y="2887216"/>
-            <a:ext cx="708186" cy="285783"/>
-          </a:xfrm>
-          <a:prstGeom prst="rect">
-            <a:avLst/>
-          </a:prstGeom>
-          <a:ln w="19050">
-            <a:solidFill>
-              <a:srgbClr val="7030A0"/>
-            </a:solidFill>
-          </a:ln>
-          <a:effectLst/>
-        </p:spPr>
-        <p:style>
-          <a:lnRef idx="1">
-            <a:schemeClr val="accent4"/>
-          </a:lnRef>
-          <a:fillRef idx="2">
-            <a:schemeClr val="accent4"/>
-          </a:fillRef>
-          <a:effectRef idx="1">
-            <a:schemeClr val="accent4"/>
-          </a:effectRef>
-          <a:fontRef idx="minor">
-            <a:schemeClr val="dk1"/>
-          </a:fontRef>
-        </p:style>
-        <p:txBody>
-          <a:bodyPr rtlCol="0" anchor="ctr"/>
-          <a:lstStyle/>
-          <a:p>
-            <a:pPr algn="ctr"/>
-            <a:r>
-              <a:rPr lang="en-US" sz="1050" dirty="0">
-                <a:solidFill>
-                  <a:srgbClr val="7030A0"/>
-                </a:solidFill>
-              </a:rPr>
-              <a:t>Phone</a:t>
-            </a:r>
-            <a:endParaRPr lang="en-SG" sz="1050" dirty="0">
-              <a:solidFill>
-                <a:srgbClr val="7030A0"/>
-              </a:solidFill>
-            </a:endParaRPr>
-          </a:p>
-        </p:txBody>
-      </p:sp>
-      <p:cxnSp>
-        <p:nvCxnSpPr>
-          <p:cNvPr id="81" name="Elbow Connector 80"/>
-          <p:cNvCxnSpPr>
-            <a:stCxn id="78" idx="3"/>
-            <a:endCxn id="80" idx="1"/>
-          </p:cNvCxnSpPr>
-          <p:nvPr/>
-        </p:nvCxnSpPr>
-        <p:spPr>
-          <a:xfrm flipV="1">
-            <a:off x="7277995" y="3030108"/>
-            <a:ext cx="434402" cy="4783"/>
-          </a:xfrm>
-          <a:prstGeom prst="bentConnector3">
-            <a:avLst/>
-          </a:prstGeom>
-          <a:ln w="19050">
-            <a:solidFill>
-              <a:srgbClr val="7030A0"/>
-            </a:solidFill>
-            <a:headEnd type="none" w="med" len="med"/>
-            <a:tailEnd type="arrow" w="med" len="med"/>
-          </a:ln>
-          <a:effectLst/>
-        </p:spPr>
-        <p:style>
-          <a:lnRef idx="1">
-            <a:schemeClr val="accent2"/>
-          </a:lnRef>
-          <a:fillRef idx="2">
-            <a:schemeClr val="accent2"/>
-          </a:fillRef>
-          <a:effectRef idx="1">
-            <a:schemeClr val="accent2"/>
-          </a:effectRef>
-          <a:fontRef idx="minor">
-            <a:schemeClr val="dk1"/>
-          </a:fontRef>
-        </p:style>
-      </p:cxnSp>
-      <p:sp>
-        <p:nvSpPr>
-          <p:cNvPr id="83" name="Rectangle 8"/>
-          <p:cNvSpPr/>
-          <p:nvPr/>
-        </p:nvSpPr>
-        <p:spPr>
-          <a:xfrm>
-            <a:off x="7712397" y="3210194"/>
-            <a:ext cx="708186" cy="285783"/>
-          </a:xfrm>
-          <a:prstGeom prst="rect">
-            <a:avLst/>
-          </a:prstGeom>
-          <a:ln w="19050">
-            <a:solidFill>
-              <a:srgbClr val="7030A0"/>
-            </a:solidFill>
-          </a:ln>
-          <a:effectLst/>
-        </p:spPr>
-        <p:style>
-          <a:lnRef idx="1">
-            <a:schemeClr val="accent4"/>
-          </a:lnRef>
-          <a:fillRef idx="2">
-            <a:schemeClr val="accent4"/>
-          </a:fillRef>
-          <a:effectRef idx="1">
-            <a:schemeClr val="accent4"/>
-          </a:effectRef>
-          <a:fontRef idx="minor">
-            <a:schemeClr val="dk1"/>
-          </a:fontRef>
-        </p:style>
-        <p:txBody>
-          <a:bodyPr rtlCol="0" anchor="ctr"/>
-          <a:lstStyle/>
-          <a:p>
-            <a:pPr algn="ctr"/>
-            <a:r>
-              <a:rPr lang="en-US" sz="1050" dirty="0">
-                <a:solidFill>
-                  <a:srgbClr val="7030A0"/>
-                </a:solidFill>
-              </a:rPr>
-              <a:t>Email</a:t>
-            </a:r>
-            <a:endParaRPr lang="en-SG" sz="1050" dirty="0">
-              <a:solidFill>
-                <a:srgbClr val="7030A0"/>
-              </a:solidFill>
-            </a:endParaRPr>
-          </a:p>
-        </p:txBody>
-      </p:sp>
-      <p:cxnSp>
-        <p:nvCxnSpPr>
-          <p:cNvPr id="84" name="Elbow Connector 83"/>
-          <p:cNvCxnSpPr>
-            <a:stCxn id="78" idx="3"/>
-            <a:endCxn id="83" idx="1"/>
-          </p:cNvCxnSpPr>
-          <p:nvPr/>
-        </p:nvCxnSpPr>
-        <p:spPr>
-          <a:xfrm>
-            <a:off x="7277995" y="3034891"/>
-            <a:ext cx="434402" cy="318195"/>
-          </a:xfrm>
-          <a:prstGeom prst="bentConnector3">
-            <a:avLst/>
-          </a:prstGeom>
-          <a:ln w="19050">
-            <a:solidFill>
-              <a:srgbClr val="7030A0"/>
-            </a:solidFill>
-            <a:headEnd type="none" w="med" len="med"/>
-            <a:tailEnd type="arrow" w="med" len="med"/>
-          </a:ln>
-          <a:effectLst/>
-        </p:spPr>
-        <p:style>
-          <a:lnRef idx="1">
-            <a:schemeClr val="accent2"/>
-          </a:lnRef>
-          <a:fillRef idx="2">
-            <a:schemeClr val="accent2"/>
-          </a:fillRef>
-          <a:effectRef idx="1">
-            <a:schemeClr val="accent2"/>
-          </a:effectRef>
-          <a:fontRef idx="minor">
-            <a:schemeClr val="dk1"/>
-          </a:fontRef>
-        </p:style>
-      </p:cxnSp>
-      <p:sp>
-        <p:nvSpPr>
-          <p:cNvPr id="85" name="Rectangle 8"/>
-          <p:cNvSpPr/>
-          <p:nvPr/>
-        </p:nvSpPr>
-        <p:spPr>
-          <a:xfrm>
-            <a:off x="7712397" y="3533171"/>
-            <a:ext cx="708186" cy="285783"/>
-          </a:xfrm>
-          <a:prstGeom prst="rect">
-            <a:avLst/>
-          </a:prstGeom>
-          <a:ln w="19050">
-            <a:solidFill>
-              <a:srgbClr val="7030A0"/>
-            </a:solidFill>
-          </a:ln>
-          <a:effectLst/>
-        </p:spPr>
-        <p:style>
-          <a:lnRef idx="1">
-            <a:schemeClr val="accent4"/>
-          </a:lnRef>
-          <a:fillRef idx="2">
-            <a:schemeClr val="accent4"/>
-          </a:fillRef>
-          <a:effectRef idx="1">
-            <a:schemeClr val="accent4"/>
-          </a:effectRef>
-          <a:fontRef idx="minor">
-            <a:schemeClr val="dk1"/>
-          </a:fontRef>
-        </p:style>
-        <p:txBody>
-          <a:bodyPr rtlCol="0" anchor="ctr"/>
-          <a:lstStyle/>
-          <a:p>
-            <a:pPr algn="ctr"/>
-            <a:r>
-              <a:rPr lang="en-US" sz="1050" dirty="0">
-                <a:solidFill>
-                  <a:srgbClr val="7030A0"/>
-                </a:solidFill>
-              </a:rPr>
-              <a:t>Address</a:t>
-            </a:r>
-            <a:endParaRPr lang="en-SG" sz="1050" dirty="0">
-              <a:solidFill>
-                <a:srgbClr val="7030A0"/>
-              </a:solidFill>
-            </a:endParaRPr>
-          </a:p>
-        </p:txBody>
-      </p:sp>
-      <p:cxnSp>
-        <p:nvCxnSpPr>
-          <p:cNvPr id="86" name="Elbow Connector 85"/>
-          <p:cNvCxnSpPr>
-            <a:stCxn id="78" idx="3"/>
-            <a:endCxn id="85" idx="1"/>
-          </p:cNvCxnSpPr>
-          <p:nvPr/>
-        </p:nvCxnSpPr>
-        <p:spPr>
-          <a:xfrm>
-            <a:off x="7277995" y="3034891"/>
-            <a:ext cx="434402" cy="641172"/>
-          </a:xfrm>
-          <a:prstGeom prst="bentConnector3">
-            <a:avLst/>
-          </a:prstGeom>
-          <a:ln w="19050">
-            <a:solidFill>
-              <a:srgbClr val="7030A0"/>
-            </a:solidFill>
-            <a:headEnd type="none" w="med" len="med"/>
-            <a:tailEnd type="arrow" w="med" len="med"/>
-          </a:ln>
-          <a:effectLst/>
-        </p:spPr>
-        <p:style>
-          <a:lnRef idx="1">
-            <a:schemeClr val="accent2"/>
-          </a:lnRef>
-          <a:fillRef idx="2">
-            <a:schemeClr val="accent2"/>
-          </a:fillRef>
-          <a:effectRef idx="1">
-            <a:schemeClr val="accent2"/>
-          </a:effectRef>
-          <a:fontRef idx="minor">
-            <a:schemeClr val="dk1"/>
-          </a:fontRef>
-        </p:style>
-      </p:cxnSp>
       <p:cxnSp>
         <p:nvCxnSpPr>
           <p:cNvPr id="97" name="Elbow Connector 63"/>
@@ -4783,7 +4003,7 @@
         </p:nvCxnSpPr>
         <p:spPr>
           <a:xfrm rot="16200000" flipH="1">
-            <a:off x="3566454" y="2680653"/>
+            <a:off x="2961163" y="2680653"/>
             <a:ext cx="274076" cy="1"/>
           </a:xfrm>
           <a:prstGeom prst="bentConnector3">
@@ -4824,7 +4044,7 @@
         </p:nvSpPr>
         <p:spPr>
           <a:xfrm rot="10800000" flipV="1">
-            <a:off x="3562299" y="2386554"/>
+            <a:off x="2957008" y="2386554"/>
             <a:ext cx="282387" cy="157062"/>
           </a:xfrm>
           <a:prstGeom prst="triangle">
@@ -4878,8 +4098,8 @@
         </p:nvSpPr>
         <p:spPr>
           <a:xfrm>
-            <a:off x="1260922" y="1998350"/>
-            <a:ext cx="1443661" cy="364396"/>
+            <a:off x="527933" y="1998350"/>
+            <a:ext cx="1571360" cy="348608"/>
           </a:xfrm>
           <a:prstGeom prst="rect">
             <a:avLst/>
@@ -4931,7 +4151,7 @@
                   <a:srgbClr val="7030A0"/>
                 </a:solidFill>
               </a:rPr>
-              <a:t>ReadOnlyAddressBook</a:t>
+              <a:t>ReadOnlyFinanceTracker</a:t>
             </a:r>
             <a:endParaRPr lang="en-SG" sz="1050" dirty="0">
               <a:solidFill>
@@ -4943,52 +4163,13 @@
       </p:sp>
       <p:sp>
         <p:nvSpPr>
-          <p:cNvPr id="114" name="TextBox 113"/>
-          <p:cNvSpPr txBox="1"/>
-          <p:nvPr/>
-        </p:nvSpPr>
-        <p:spPr>
-          <a:xfrm rot="16200000">
-            <a:off x="6362886" y="3586305"/>
-            <a:ext cx="881018" cy="261610"/>
-          </a:xfrm>
-          <a:prstGeom prst="rect">
-            <a:avLst/>
-          </a:prstGeom>
-          <a:noFill/>
-        </p:spPr>
-        <p:txBody>
-          <a:bodyPr wrap="square" rtlCol="0">
-            <a:spAutoFit/>
-          </a:bodyPr>
-          <a:lstStyle/>
-          <a:p>
-            <a:pPr algn="r"/>
-            <a:r>
-              <a:rPr lang="en-US" sz="1100" dirty="0">
-                <a:solidFill>
-                  <a:srgbClr val="7030A0"/>
-                </a:solidFill>
-              </a:rPr>
-              <a:t>filtered list</a:t>
-            </a:r>
-            <a:endParaRPr lang="en-SG" sz="1100" dirty="0">
-              <a:solidFill>
-                <a:srgbClr val="7030A0"/>
-              </a:solidFill>
-            </a:endParaRPr>
-          </a:p>
-        </p:txBody>
-      </p:sp>
-      <p:sp>
-        <p:nvSpPr>
           <p:cNvPr id="122" name="Rectangle 8"/>
           <p:cNvSpPr/>
           <p:nvPr/>
         </p:nvSpPr>
         <p:spPr>
           <a:xfrm>
-            <a:off x="2057401" y="4239491"/>
+            <a:off x="1452110" y="4239491"/>
             <a:ext cx="1066800" cy="346760"/>
           </a:xfrm>
           <a:prstGeom prst="rect">
@@ -5062,7 +4243,7 @@
         </p:nvCxnSpPr>
         <p:spPr>
           <a:xfrm rot="16200000" flipH="1">
-            <a:off x="1364475" y="3719944"/>
+            <a:off x="759184" y="3719944"/>
             <a:ext cx="831471" cy="554381"/>
           </a:xfrm>
           <a:prstGeom prst="bentConnector2">
@@ -5095,13 +4276,52 @@
       </p:cxnSp>
       <p:sp>
         <p:nvSpPr>
-          <p:cNvPr id="54" name="TextBox 53"/>
+          <p:cNvPr id="65" name="TextBox 64"/>
           <p:cNvSpPr txBox="1"/>
           <p:nvPr/>
         </p:nvSpPr>
         <p:spPr>
           <a:xfrm>
-            <a:off x="4429979" y="3111479"/>
+            <a:off x="1968103" y="2756715"/>
+            <a:ext cx="170110" cy="137542"/>
+          </a:xfrm>
+          <a:prstGeom prst="rect">
+            <a:avLst/>
+          </a:prstGeom>
+          <a:noFill/>
+        </p:spPr>
+        <p:txBody>
+          <a:bodyPr wrap="square" lIns="0" tIns="0" rIns="0" bIns="0" rtlCol="0">
+            <a:noAutofit/>
+          </a:bodyPr>
+          <a:lstStyle/>
+          <a:p>
+            <a:pPr algn="ctr"/>
+            <a:r>
+              <a:rPr lang="en-US" sz="1100" dirty="0">
+                <a:solidFill>
+                  <a:srgbClr val="7030A0"/>
+                </a:solidFill>
+              </a:rPr>
+              <a:t>1</a:t>
+            </a:r>
+            <a:endParaRPr lang="en-SG" sz="1100" dirty="0">
+              <a:solidFill>
+                <a:srgbClr val="7030A0"/>
+              </a:solidFill>
+            </a:endParaRPr>
+          </a:p>
+        </p:txBody>
+      </p:sp>
+      <p:sp>
+        <p:nvSpPr>
+          <p:cNvPr id="66" name="TextBox 65"/>
+          <p:cNvSpPr txBox="1"/>
+          <p:nvPr/>
+        </p:nvSpPr>
+        <p:spPr>
+          <a:xfrm>
+            <a:off x="2024900" y="3667737"/>
             <a:ext cx="189257" cy="178683"/>
           </a:xfrm>
           <a:prstGeom prst="rect">
@@ -5134,326 +4354,13 @@
       </p:sp>
       <p:sp>
         <p:nvSpPr>
-          <p:cNvPr id="61" name="TextBox 60"/>
-          <p:cNvSpPr txBox="1"/>
-          <p:nvPr/>
-        </p:nvSpPr>
-        <p:spPr>
-          <a:xfrm>
-            <a:off x="6135256" y="3097917"/>
-            <a:ext cx="189257" cy="178683"/>
-          </a:xfrm>
-          <a:prstGeom prst="rect">
-            <a:avLst/>
-          </a:prstGeom>
-          <a:noFill/>
-        </p:spPr>
-        <p:txBody>
-          <a:bodyPr wrap="square" lIns="0" tIns="0" rIns="0" bIns="0" rtlCol="0">
-            <a:noAutofit/>
-          </a:bodyPr>
-          <a:lstStyle/>
-          <a:p>
-            <a:pPr algn="ctr"/>
-            <a:r>
-              <a:rPr lang="en-US" sz="1100" dirty="0">
-                <a:solidFill>
-                  <a:srgbClr val="7030A0"/>
-                </a:solidFill>
-              </a:rPr>
-              <a:t>*</a:t>
-            </a:r>
-            <a:endParaRPr lang="en-SG" sz="1100" dirty="0">
-              <a:solidFill>
-                <a:srgbClr val="7030A0"/>
-              </a:solidFill>
-            </a:endParaRPr>
-          </a:p>
-        </p:txBody>
-      </p:sp>
-      <p:sp>
-        <p:nvSpPr>
-          <p:cNvPr id="65" name="TextBox 64"/>
-          <p:cNvSpPr txBox="1"/>
-          <p:nvPr/>
-        </p:nvSpPr>
-        <p:spPr>
-          <a:xfrm>
-            <a:off x="2573394" y="2756715"/>
-            <a:ext cx="170110" cy="137542"/>
-          </a:xfrm>
-          <a:prstGeom prst="rect">
-            <a:avLst/>
-          </a:prstGeom>
-          <a:noFill/>
-        </p:spPr>
-        <p:txBody>
-          <a:bodyPr wrap="square" lIns="0" tIns="0" rIns="0" bIns="0" rtlCol="0">
-            <a:noAutofit/>
-          </a:bodyPr>
-          <a:lstStyle/>
-          <a:p>
-            <a:pPr algn="ctr"/>
-            <a:r>
-              <a:rPr lang="en-US" sz="1100" dirty="0">
-                <a:solidFill>
-                  <a:srgbClr val="7030A0"/>
-                </a:solidFill>
-              </a:rPr>
-              <a:t>1</a:t>
-            </a:r>
-            <a:endParaRPr lang="en-SG" sz="1100" dirty="0">
-              <a:solidFill>
-                <a:srgbClr val="7030A0"/>
-              </a:solidFill>
-            </a:endParaRPr>
-          </a:p>
-        </p:txBody>
-      </p:sp>
-      <p:sp>
-        <p:nvSpPr>
-          <p:cNvPr id="66" name="TextBox 65"/>
-          <p:cNvSpPr txBox="1"/>
-          <p:nvPr/>
-        </p:nvSpPr>
-        <p:spPr>
-          <a:xfrm>
-            <a:off x="2630191" y="3667737"/>
-            <a:ext cx="189257" cy="178683"/>
-          </a:xfrm>
-          <a:prstGeom prst="rect">
-            <a:avLst/>
-          </a:prstGeom>
-          <a:noFill/>
-        </p:spPr>
-        <p:txBody>
-          <a:bodyPr wrap="square" lIns="0" tIns="0" rIns="0" bIns="0" rtlCol="0">
-            <a:noAutofit/>
-          </a:bodyPr>
-          <a:lstStyle/>
-          <a:p>
-            <a:pPr algn="ctr"/>
-            <a:r>
-              <a:rPr lang="en-US" sz="1100" dirty="0">
-                <a:solidFill>
-                  <a:srgbClr val="7030A0"/>
-                </a:solidFill>
-              </a:rPr>
-              <a:t>1</a:t>
-            </a:r>
-            <a:endParaRPr lang="en-SG" sz="1100" dirty="0">
-              <a:solidFill>
-                <a:srgbClr val="7030A0"/>
-              </a:solidFill>
-            </a:endParaRPr>
-          </a:p>
-        </p:txBody>
-      </p:sp>
-      <p:sp>
-        <p:nvSpPr>
-          <p:cNvPr id="70" name="TextBox 69"/>
-          <p:cNvSpPr txBox="1"/>
-          <p:nvPr/>
-        </p:nvSpPr>
-        <p:spPr>
-          <a:xfrm>
-            <a:off x="6449896" y="3204826"/>
-            <a:ext cx="189257" cy="178683"/>
-          </a:xfrm>
-          <a:prstGeom prst="rect">
-            <a:avLst/>
-          </a:prstGeom>
-          <a:noFill/>
-        </p:spPr>
-        <p:txBody>
-          <a:bodyPr wrap="square" lIns="0" tIns="0" rIns="0" bIns="0" rtlCol="0">
-            <a:noAutofit/>
-          </a:bodyPr>
-          <a:lstStyle/>
-          <a:p>
-            <a:pPr algn="ctr"/>
-            <a:r>
-              <a:rPr lang="en-US" sz="1100" dirty="0">
-                <a:solidFill>
-                  <a:srgbClr val="7030A0"/>
-                </a:solidFill>
-              </a:rPr>
-              <a:t>1</a:t>
-            </a:r>
-            <a:endParaRPr lang="en-SG" sz="1100" dirty="0">
-              <a:solidFill>
-                <a:srgbClr val="7030A0"/>
-              </a:solidFill>
-            </a:endParaRPr>
-          </a:p>
-        </p:txBody>
-      </p:sp>
-      <p:sp>
-        <p:nvSpPr>
-          <p:cNvPr id="52" name="Rectangle 8">
-            <a:extLst>
-              <a:ext uri="{FF2B5EF4-FFF2-40B4-BE49-F238E27FC236}">
-                <a16:creationId xmlns:a16="http://schemas.microsoft.com/office/drawing/2014/main" id="{ABDCDBD2-131A-4B66-A2F2-43BBEE82C773}"/>
-              </a:ext>
-            </a:extLst>
-          </p:cNvPr>
-          <p:cNvSpPr/>
-          <p:nvPr/>
-        </p:nvSpPr>
-        <p:spPr>
-          <a:xfrm>
-            <a:off x="7712397" y="2228817"/>
-            <a:ext cx="708186" cy="285783"/>
-          </a:xfrm>
-          <a:prstGeom prst="rect">
-            <a:avLst/>
-          </a:prstGeom>
-          <a:ln w="19050">
-            <a:solidFill>
-              <a:srgbClr val="7030A0"/>
-            </a:solidFill>
-          </a:ln>
-          <a:effectLst/>
-        </p:spPr>
-        <p:style>
-          <a:lnRef idx="1">
-            <a:schemeClr val="accent4"/>
-          </a:lnRef>
-          <a:fillRef idx="2">
-            <a:schemeClr val="accent4"/>
-          </a:fillRef>
-          <a:effectRef idx="1">
-            <a:schemeClr val="accent4"/>
-          </a:effectRef>
-          <a:fontRef idx="minor">
-            <a:schemeClr val="dk1"/>
-          </a:fontRef>
-        </p:style>
-        <p:txBody>
-          <a:bodyPr rtlCol="0" anchor="ctr"/>
-          <a:lstStyle/>
-          <a:p>
-            <a:pPr algn="ctr"/>
-            <a:r>
-              <a:rPr lang="en-US" sz="1050" dirty="0">
-                <a:solidFill>
-                  <a:srgbClr val="7030A0"/>
-                </a:solidFill>
-              </a:rPr>
-              <a:t>Tag</a:t>
-            </a:r>
-            <a:endParaRPr lang="en-SG" sz="1050" dirty="0">
-              <a:solidFill>
-                <a:srgbClr val="7030A0"/>
-              </a:solidFill>
-            </a:endParaRPr>
-          </a:p>
-        </p:txBody>
-      </p:sp>
-      <p:cxnSp>
-        <p:nvCxnSpPr>
-          <p:cNvPr id="53" name="Elbow Connector 78">
-            <a:extLst>
-              <a:ext uri="{FF2B5EF4-FFF2-40B4-BE49-F238E27FC236}">
-                <a16:creationId xmlns:a16="http://schemas.microsoft.com/office/drawing/2014/main" id="{B97967F8-618A-448B-81FD-CDFD4AF0EC64}"/>
-              </a:ext>
-            </a:extLst>
-          </p:cNvPr>
-          <p:cNvCxnSpPr>
-            <a:cxnSpLocks/>
-            <a:stCxn id="78" idx="3"/>
-            <a:endCxn id="52" idx="1"/>
-          </p:cNvCxnSpPr>
-          <p:nvPr/>
-        </p:nvCxnSpPr>
-        <p:spPr>
-          <a:xfrm flipV="1">
-            <a:off x="7277995" y="2371709"/>
-            <a:ext cx="434402" cy="663182"/>
-          </a:xfrm>
-          <a:prstGeom prst="bentConnector3">
-            <a:avLst>
-              <a:gd name="adj1" fmla="val 50000"/>
-            </a:avLst>
-          </a:prstGeom>
-          <a:ln w="19050">
-            <a:solidFill>
-              <a:srgbClr val="7030A0"/>
-            </a:solidFill>
-            <a:headEnd type="none" w="med" len="med"/>
-            <a:tailEnd type="arrow" w="med" len="med"/>
-          </a:ln>
-          <a:effectLst/>
-        </p:spPr>
-        <p:style>
-          <a:lnRef idx="1">
-            <a:schemeClr val="accent2"/>
-          </a:lnRef>
-          <a:fillRef idx="2">
-            <a:schemeClr val="accent2"/>
-          </a:fillRef>
-          <a:effectRef idx="1">
-            <a:schemeClr val="accent2"/>
-          </a:effectRef>
-          <a:fontRef idx="minor">
-            <a:schemeClr val="dk1"/>
-          </a:fontRef>
-        </p:style>
-      </p:cxnSp>
-      <p:sp>
-        <p:nvSpPr>
-          <p:cNvPr id="50" name="TextBox 49">
-            <a:extLst>
-              <a:ext uri="{FF2B5EF4-FFF2-40B4-BE49-F238E27FC236}">
-                <a16:creationId xmlns:a16="http://schemas.microsoft.com/office/drawing/2014/main" id="{B3FA9D57-880F-49C4-AD0B-A64E30D6F403}"/>
-              </a:ext>
-            </a:extLst>
-          </p:cNvPr>
-          <p:cNvSpPr txBox="1"/>
-          <p:nvPr/>
-        </p:nvSpPr>
-        <p:spPr>
-          <a:xfrm>
-            <a:off x="7466243" y="2255711"/>
-            <a:ext cx="189257" cy="178683"/>
-          </a:xfrm>
-          <a:prstGeom prst="rect">
-            <a:avLst/>
-          </a:prstGeom>
-          <a:noFill/>
-        </p:spPr>
-        <p:txBody>
-          <a:bodyPr wrap="square" lIns="0" tIns="0" rIns="0" bIns="0" rtlCol="0">
-            <a:noAutofit/>
-          </a:bodyPr>
-          <a:lstStyle/>
-          <a:p>
-            <a:pPr algn="ctr"/>
-            <a:r>
-              <a:rPr lang="en-US" sz="1100" dirty="0">
-                <a:solidFill>
-                  <a:srgbClr val="7030A0"/>
-                </a:solidFill>
-              </a:rPr>
-              <a:t>*</a:t>
-            </a:r>
-            <a:endParaRPr lang="en-SG" sz="1100" dirty="0">
-              <a:solidFill>
-                <a:srgbClr val="7030A0"/>
-              </a:solidFill>
-            </a:endParaRPr>
-          </a:p>
-        </p:txBody>
-      </p:sp>
-      <p:sp>
-        <p:nvSpPr>
           <p:cNvPr id="55" name="Rectangle 8"/>
           <p:cNvSpPr/>
           <p:nvPr/>
         </p:nvSpPr>
         <p:spPr>
           <a:xfrm>
-            <a:off x="3170181" y="1998350"/>
+            <a:off x="2564890" y="1998350"/>
             <a:ext cx="1060683" cy="364396"/>
           </a:xfrm>
           <a:prstGeom prst="rect">
@@ -5491,7 +4398,7 @@
                   <a:srgbClr val="7030A0"/>
                 </a:solidFill>
               </a:rPr>
-              <a:t>AddressBook</a:t>
+              <a:t>FinanceTracker</a:t>
             </a:r>
             <a:endParaRPr lang="en-SG" sz="1050" dirty="0">
               <a:solidFill>
@@ -5501,47 +4408,6 @@
           </a:p>
         </p:txBody>
       </p:sp>
-      <p:cxnSp>
-        <p:nvCxnSpPr>
-          <p:cNvPr id="60" name="Straight Arrow Connector 59"/>
-          <p:cNvCxnSpPr>
-            <a:stCxn id="51" idx="1"/>
-            <a:endCxn id="49" idx="1"/>
-          </p:cNvCxnSpPr>
-          <p:nvPr/>
-        </p:nvCxnSpPr>
-        <p:spPr>
-          <a:xfrm>
-            <a:off x="4324972" y="3007222"/>
-            <a:ext cx="367678" cy="12320"/>
-          </a:xfrm>
-          <a:prstGeom prst="straightConnector1">
-            <a:avLst/>
-          </a:prstGeom>
-          <a:ln w="19050">
-            <a:solidFill>
-              <a:srgbClr val="7030A0"/>
-            </a:solidFill>
-            <a:headEnd type="none" w="med" len="med"/>
-            <a:tailEnd type="arrow" w="med" len="med"/>
-          </a:ln>
-          <a:effectLst/>
-        </p:spPr>
-        <p:style>
-          <a:lnRef idx="1">
-            <a:schemeClr val="accent2"/>
-          </a:lnRef>
-          <a:fillRef idx="2">
-            <a:schemeClr val="accent2"/>
-          </a:fillRef>
-          <a:effectRef idx="1">
-            <a:schemeClr val="accent2"/>
-          </a:effectRef>
-          <a:fontRef idx="minor">
-            <a:schemeClr val="dk1"/>
-          </a:fontRef>
-        </p:style>
-      </p:cxnSp>
       <p:sp>
         <p:nvSpPr>
           <p:cNvPr id="68" name="Isosceles Triangle 102"/>
@@ -5550,7 +4416,7 @@
         </p:nvSpPr>
         <p:spPr>
           <a:xfrm rot="16200000">
-            <a:off x="2669073" y="2069158"/>
+            <a:off x="2063782" y="2069158"/>
             <a:ext cx="271014" cy="187417"/>
           </a:xfrm>
           <a:prstGeom prst="triangle">
@@ -5605,7 +4471,7 @@
         </p:nvCxnSpPr>
         <p:spPr>
           <a:xfrm>
-            <a:off x="2898289" y="2177727"/>
+            <a:off x="2292998" y="2177727"/>
             <a:ext cx="271892" cy="2821"/>
           </a:xfrm>
           <a:prstGeom prst="bentConnector3">
@@ -5652,7 +4518,7 @@
         </p:nvSpPr>
         <p:spPr>
           <a:xfrm>
-            <a:off x="4238892" y="3460864"/>
+            <a:off x="3633601" y="4168530"/>
             <a:ext cx="1293486" cy="346760"/>
           </a:xfrm>
           <a:prstGeom prst="rect">
@@ -5725,7 +4591,7 @@
         </p:nvSpPr>
         <p:spPr>
           <a:xfrm rot="5400000" flipH="1">
-            <a:off x="3992636" y="3514414"/>
+            <a:off x="3379317" y="4231161"/>
             <a:ext cx="271014" cy="221497"/>
           </a:xfrm>
           <a:prstGeom prst="triangle">
@@ -5787,8 +4653,8 @@
         </p:nvCxnSpPr>
         <p:spPr>
           <a:xfrm rot="10800000">
-            <a:off x="3703491" y="3636621"/>
-            <a:ext cx="313904" cy="3403"/>
+            <a:off x="3098200" y="3636620"/>
+            <a:ext cx="305876" cy="720150"/>
           </a:xfrm>
           <a:prstGeom prst="bentConnector3">
             <a:avLst>
@@ -5820,6 +4686,2425 @@
           </a:fontRef>
         </p:style>
       </p:cxnSp>
+      <p:grpSp>
+        <p:nvGrpSpPr>
+          <p:cNvPr id="3" name="Group 2">
+            <a:extLst>
+              <a:ext uri="{FF2B5EF4-FFF2-40B4-BE49-F238E27FC236}">
+                <a16:creationId xmlns:a16="http://schemas.microsoft.com/office/drawing/2014/main" id="{38081BAF-D39C-4E30-BDF8-89D2097977DA}"/>
+              </a:ext>
+            </a:extLst>
+          </p:cNvPr>
+          <p:cNvGrpSpPr/>
+          <p:nvPr/>
+        </p:nvGrpSpPr>
+        <p:grpSpPr>
+          <a:xfrm>
+            <a:off x="2212500" y="2122760"/>
+            <a:ext cx="6555400" cy="1901985"/>
+            <a:chOff x="1445600" y="1912425"/>
+            <a:chExt cx="6555400" cy="1901985"/>
+          </a:xfrm>
+        </p:grpSpPr>
+        <p:sp>
+          <p:nvSpPr>
+            <p:cNvPr id="56" name="Rectangle 8">
+              <a:extLst>
+                <a:ext uri="{FF2B5EF4-FFF2-40B4-BE49-F238E27FC236}">
+                  <a16:creationId xmlns:a16="http://schemas.microsoft.com/office/drawing/2014/main" id="{325D769B-8055-4422-91E2-B8595D90A940}"/>
+                </a:ext>
+              </a:extLst>
+            </p:cNvPr>
+            <p:cNvSpPr/>
+            <p:nvPr/>
+          </p:nvSpPr>
+          <p:spPr>
+            <a:xfrm>
+              <a:off x="1445600" y="2604085"/>
+              <a:ext cx="1602400" cy="346760"/>
+            </a:xfrm>
+            <a:prstGeom prst="rect">
+              <a:avLst/>
+            </a:prstGeom>
+            <a:ln w="19050">
+              <a:solidFill>
+                <a:srgbClr val="7030A0"/>
+              </a:solidFill>
+            </a:ln>
+            <a:effectLst/>
+          </p:spPr>
+          <p:style>
+            <a:lnRef idx="1">
+              <a:schemeClr val="accent4"/>
+            </a:lnRef>
+            <a:fillRef idx="2">
+              <a:schemeClr val="accent4"/>
+            </a:fillRef>
+            <a:effectRef idx="1">
+              <a:schemeClr val="accent4"/>
+            </a:effectRef>
+            <a:fontRef idx="minor">
+              <a:schemeClr val="dk1"/>
+            </a:fontRef>
+          </p:style>
+          <p:txBody>
+            <a:bodyPr rtlCol="0" anchor="ctr"/>
+            <a:lstStyle/>
+            <a:p>
+              <a:pPr algn="ctr"/>
+              <a:r>
+                <a:rPr lang="en-US" sz="1050" dirty="0" err="1">
+                  <a:solidFill>
+                    <a:srgbClr val="7030A0"/>
+                  </a:solidFill>
+                </a:rPr>
+                <a:t>VersionedFinanceTracker</a:t>
+              </a:r>
+              <a:endParaRPr lang="en-SG" sz="1050" dirty="0">
+                <a:solidFill>
+                  <a:srgbClr val="7030A0"/>
+                </a:solidFill>
+              </a:endParaRPr>
+            </a:p>
+          </p:txBody>
+        </p:sp>
+        <p:sp>
+          <p:nvSpPr>
+            <p:cNvPr id="71" name="Rectangle 8">
+              <a:extLst>
+                <a:ext uri="{FF2B5EF4-FFF2-40B4-BE49-F238E27FC236}">
+                  <a16:creationId xmlns:a16="http://schemas.microsoft.com/office/drawing/2014/main" id="{007EAAB0-DDC1-484C-A4A7-177938854AEE}"/>
+                </a:ext>
+              </a:extLst>
+            </p:cNvPr>
+            <p:cNvSpPr/>
+            <p:nvPr/>
+          </p:nvSpPr>
+          <p:spPr>
+            <a:xfrm>
+              <a:off x="3731405" y="2472978"/>
+              <a:ext cx="1156969" cy="285784"/>
+            </a:xfrm>
+            <a:prstGeom prst="rect">
+              <a:avLst/>
+            </a:prstGeom>
+            <a:ln w="19050">
+              <a:solidFill>
+                <a:srgbClr val="7030A0"/>
+              </a:solidFill>
+            </a:ln>
+            <a:effectLst/>
+          </p:spPr>
+          <p:style>
+            <a:lnRef idx="1">
+              <a:schemeClr val="accent4"/>
+            </a:lnRef>
+            <a:fillRef idx="2">
+              <a:schemeClr val="accent4"/>
+            </a:fillRef>
+            <a:effectRef idx="1">
+              <a:schemeClr val="accent4"/>
+            </a:effectRef>
+            <a:fontRef idx="minor">
+              <a:schemeClr val="dk1"/>
+            </a:fontRef>
+          </p:style>
+          <p:txBody>
+            <a:bodyPr rtlCol="0" anchor="ctr"/>
+            <a:lstStyle/>
+            <a:p>
+              <a:pPr algn="ctr"/>
+              <a:r>
+                <a:rPr lang="en-US" sz="1050" dirty="0" err="1">
+                  <a:solidFill>
+                    <a:srgbClr val="7030A0"/>
+                  </a:solidFill>
+                </a:rPr>
+                <a:t>RecurringList</a:t>
+              </a:r>
+              <a:endParaRPr lang="en-SG" sz="1050" dirty="0">
+                <a:solidFill>
+                  <a:srgbClr val="7030A0"/>
+                </a:solidFill>
+              </a:endParaRPr>
+            </a:p>
+          </p:txBody>
+        </p:sp>
+        <p:sp>
+          <p:nvSpPr>
+            <p:cNvPr id="72" name="Flowchart: Decision 96">
+              <a:extLst>
+                <a:ext uri="{FF2B5EF4-FFF2-40B4-BE49-F238E27FC236}">
+                  <a16:creationId xmlns:a16="http://schemas.microsoft.com/office/drawing/2014/main" id="{897A07C1-39A3-4387-B1E3-792050E79F11}"/>
+                </a:ext>
+              </a:extLst>
+            </p:cNvPr>
+            <p:cNvSpPr/>
+            <p:nvPr/>
+          </p:nvSpPr>
+          <p:spPr>
+            <a:xfrm>
+              <a:off x="3050255" y="2717375"/>
+              <a:ext cx="236048" cy="173380"/>
+            </a:xfrm>
+            <a:prstGeom prst="flowChartDecision">
+              <a:avLst/>
+            </a:prstGeom>
+            <a:solidFill>
+              <a:srgbClr val="7030A0"/>
+            </a:solidFill>
+            <a:ln w="19050">
+              <a:solidFill>
+                <a:srgbClr val="7030A0"/>
+              </a:solidFill>
+            </a:ln>
+            <a:effectLst/>
+          </p:spPr>
+          <p:style>
+            <a:lnRef idx="1">
+              <a:schemeClr val="accent6"/>
+            </a:lnRef>
+            <a:fillRef idx="2">
+              <a:schemeClr val="accent6"/>
+            </a:fillRef>
+            <a:effectRef idx="1">
+              <a:schemeClr val="accent6"/>
+            </a:effectRef>
+            <a:fontRef idx="minor">
+              <a:schemeClr val="dk1"/>
+            </a:fontRef>
+          </p:style>
+          <p:txBody>
+            <a:bodyPr rtlCol="0" anchor="ctr"/>
+            <a:lstStyle/>
+            <a:p>
+              <a:pPr algn="ctr"/>
+              <a:endParaRPr lang="en-US" sz="1050"/>
+            </a:p>
+          </p:txBody>
+        </p:sp>
+        <p:cxnSp>
+          <p:nvCxnSpPr>
+            <p:cNvPr id="73" name="Elbow Connector 29">
+              <a:extLst>
+                <a:ext uri="{FF2B5EF4-FFF2-40B4-BE49-F238E27FC236}">
+                  <a16:creationId xmlns:a16="http://schemas.microsoft.com/office/drawing/2014/main" id="{723A3EBE-78A6-48B6-B194-792087E31381}"/>
+                </a:ext>
+              </a:extLst>
+            </p:cNvPr>
+            <p:cNvCxnSpPr>
+              <a:cxnSpLocks/>
+              <a:stCxn id="72" idx="3"/>
+              <a:endCxn id="71" idx="1"/>
+            </p:cNvCxnSpPr>
+            <p:nvPr/>
+          </p:nvCxnSpPr>
+          <p:spPr>
+            <a:xfrm flipV="1">
+              <a:off x="3286303" y="2615870"/>
+              <a:ext cx="445102" cy="188195"/>
+            </a:xfrm>
+            <a:prstGeom prst="bentConnector3">
+              <a:avLst>
+                <a:gd name="adj1" fmla="val 50000"/>
+              </a:avLst>
+            </a:prstGeom>
+            <a:ln w="19050">
+              <a:solidFill>
+                <a:srgbClr val="7030A0"/>
+              </a:solidFill>
+              <a:headEnd type="none" w="med" len="med"/>
+              <a:tailEnd type="arrow" w="med" len="med"/>
+            </a:ln>
+            <a:effectLst/>
+          </p:spPr>
+          <p:style>
+            <a:lnRef idx="1">
+              <a:schemeClr val="accent2"/>
+            </a:lnRef>
+            <a:fillRef idx="2">
+              <a:schemeClr val="accent2"/>
+            </a:fillRef>
+            <a:effectRef idx="1">
+              <a:schemeClr val="accent2"/>
+            </a:effectRef>
+            <a:fontRef idx="minor">
+              <a:schemeClr val="dk1"/>
+            </a:fontRef>
+          </p:style>
+        </p:cxnSp>
+        <p:sp>
+          <p:nvSpPr>
+            <p:cNvPr id="74" name="Rectangle 8">
+              <a:extLst>
+                <a:ext uri="{FF2B5EF4-FFF2-40B4-BE49-F238E27FC236}">
+                  <a16:creationId xmlns:a16="http://schemas.microsoft.com/office/drawing/2014/main" id="{1C4A8E51-DB23-4F7E-9ACC-A0DB20934D4F}"/>
+                </a:ext>
+              </a:extLst>
+            </p:cNvPr>
+            <p:cNvSpPr/>
+            <p:nvPr/>
+          </p:nvSpPr>
+          <p:spPr>
+            <a:xfrm>
+              <a:off x="5334000" y="2477326"/>
+              <a:ext cx="708186" cy="285079"/>
+            </a:xfrm>
+            <a:prstGeom prst="rect">
+              <a:avLst/>
+            </a:prstGeom>
+            <a:ln w="19050">
+              <a:solidFill>
+                <a:srgbClr val="7030A0"/>
+              </a:solidFill>
+            </a:ln>
+            <a:effectLst/>
+          </p:spPr>
+          <p:style>
+            <a:lnRef idx="1">
+              <a:schemeClr val="accent4"/>
+            </a:lnRef>
+            <a:fillRef idx="2">
+              <a:schemeClr val="accent4"/>
+            </a:fillRef>
+            <a:effectRef idx="1">
+              <a:schemeClr val="accent4"/>
+            </a:effectRef>
+            <a:fontRef idx="minor">
+              <a:schemeClr val="dk1"/>
+            </a:fontRef>
+          </p:style>
+          <p:txBody>
+            <a:bodyPr rtlCol="0" anchor="ctr"/>
+            <a:lstStyle/>
+            <a:p>
+              <a:pPr algn="ctr"/>
+              <a:r>
+                <a:rPr lang="en-US" sz="1050" dirty="0">
+                  <a:solidFill>
+                    <a:srgbClr val="7030A0"/>
+                  </a:solidFill>
+                </a:rPr>
+                <a:t>Recurring</a:t>
+              </a:r>
+              <a:endParaRPr lang="en-SG" sz="1050" dirty="0">
+                <a:solidFill>
+                  <a:srgbClr val="7030A0"/>
+                </a:solidFill>
+              </a:endParaRPr>
+            </a:p>
+          </p:txBody>
+        </p:sp>
+        <p:sp>
+          <p:nvSpPr>
+            <p:cNvPr id="77" name="Flowchart: Decision 96">
+              <a:extLst>
+                <a:ext uri="{FF2B5EF4-FFF2-40B4-BE49-F238E27FC236}">
+                  <a16:creationId xmlns:a16="http://schemas.microsoft.com/office/drawing/2014/main" id="{F57879FB-F788-4C52-BCAC-FC6405104C12}"/>
+                </a:ext>
+              </a:extLst>
+            </p:cNvPr>
+            <p:cNvSpPr/>
+            <p:nvPr/>
+          </p:nvSpPr>
+          <p:spPr>
+            <a:xfrm>
+              <a:off x="4880450" y="2536587"/>
+              <a:ext cx="236048" cy="173380"/>
+            </a:xfrm>
+            <a:prstGeom prst="flowChartDecision">
+              <a:avLst/>
+            </a:prstGeom>
+            <a:solidFill>
+              <a:srgbClr val="7030A0"/>
+            </a:solidFill>
+            <a:ln w="19050">
+              <a:solidFill>
+                <a:srgbClr val="7030A0"/>
+              </a:solidFill>
+            </a:ln>
+            <a:effectLst/>
+          </p:spPr>
+          <p:style>
+            <a:lnRef idx="1">
+              <a:schemeClr val="accent6"/>
+            </a:lnRef>
+            <a:fillRef idx="2">
+              <a:schemeClr val="accent6"/>
+            </a:fillRef>
+            <a:effectRef idx="1">
+              <a:schemeClr val="accent6"/>
+            </a:effectRef>
+            <a:fontRef idx="minor">
+              <a:schemeClr val="dk1"/>
+            </a:fontRef>
+          </p:style>
+          <p:txBody>
+            <a:bodyPr rtlCol="0" anchor="ctr"/>
+            <a:lstStyle/>
+            <a:p>
+              <a:pPr algn="ctr"/>
+              <a:endParaRPr lang="en-US" sz="1050"/>
+            </a:p>
+          </p:txBody>
+        </p:sp>
+        <p:cxnSp>
+          <p:nvCxnSpPr>
+            <p:cNvPr id="82" name="Elbow Connector 63">
+              <a:extLst>
+                <a:ext uri="{FF2B5EF4-FFF2-40B4-BE49-F238E27FC236}">
+                  <a16:creationId xmlns:a16="http://schemas.microsoft.com/office/drawing/2014/main" id="{8CF42116-B801-45BB-A654-15180DF7953C}"/>
+                </a:ext>
+              </a:extLst>
+            </p:cNvPr>
+            <p:cNvCxnSpPr>
+              <a:cxnSpLocks/>
+              <a:stCxn id="77" idx="3"/>
+              <a:endCxn id="74" idx="1"/>
+            </p:cNvCxnSpPr>
+            <p:nvPr/>
+          </p:nvCxnSpPr>
+          <p:spPr>
+            <a:xfrm flipV="1">
+              <a:off x="5116498" y="2619866"/>
+              <a:ext cx="217502" cy="3411"/>
+            </a:xfrm>
+            <a:prstGeom prst="bentConnector3">
+              <a:avLst/>
+            </a:prstGeom>
+            <a:ln w="19050">
+              <a:solidFill>
+                <a:srgbClr val="7030A0"/>
+              </a:solidFill>
+              <a:headEnd type="none" w="med" len="med"/>
+              <a:tailEnd type="arrow" w="med" len="med"/>
+            </a:ln>
+            <a:effectLst/>
+          </p:spPr>
+          <p:style>
+            <a:lnRef idx="1">
+              <a:schemeClr val="accent2"/>
+            </a:lnRef>
+            <a:fillRef idx="2">
+              <a:schemeClr val="accent2"/>
+            </a:fillRef>
+            <a:effectRef idx="1">
+              <a:schemeClr val="accent2"/>
+            </a:effectRef>
+            <a:fontRef idx="minor">
+              <a:schemeClr val="dk1"/>
+            </a:fontRef>
+          </p:style>
+        </p:cxnSp>
+        <p:sp>
+          <p:nvSpPr>
+            <p:cNvPr id="87" name="Rectangle 8">
+              <a:extLst>
+                <a:ext uri="{FF2B5EF4-FFF2-40B4-BE49-F238E27FC236}">
+                  <a16:creationId xmlns:a16="http://schemas.microsoft.com/office/drawing/2014/main" id="{F55F163B-AB25-494A-BEA9-370066AB11B7}"/>
+                </a:ext>
+              </a:extLst>
+            </p:cNvPr>
+            <p:cNvSpPr/>
+            <p:nvPr/>
+          </p:nvSpPr>
+          <p:spPr>
+            <a:xfrm>
+              <a:off x="6844032" y="2133600"/>
+              <a:ext cx="708186" cy="285783"/>
+            </a:xfrm>
+            <a:prstGeom prst="rect">
+              <a:avLst/>
+            </a:prstGeom>
+            <a:ln w="19050">
+              <a:solidFill>
+                <a:srgbClr val="7030A0"/>
+              </a:solidFill>
+            </a:ln>
+            <a:effectLst/>
+          </p:spPr>
+          <p:style>
+            <a:lnRef idx="1">
+              <a:schemeClr val="accent4"/>
+            </a:lnRef>
+            <a:fillRef idx="2">
+              <a:schemeClr val="accent4"/>
+            </a:fillRef>
+            <a:effectRef idx="1">
+              <a:schemeClr val="accent4"/>
+            </a:effectRef>
+            <a:fontRef idx="minor">
+              <a:schemeClr val="dk1"/>
+            </a:fontRef>
+          </p:style>
+          <p:txBody>
+            <a:bodyPr rtlCol="0" anchor="ctr"/>
+            <a:lstStyle/>
+            <a:p>
+              <a:pPr algn="ctr"/>
+              <a:r>
+                <a:rPr lang="en-US" sz="1050" dirty="0">
+                  <a:solidFill>
+                    <a:srgbClr val="7030A0"/>
+                  </a:solidFill>
+                </a:rPr>
+                <a:t>Name</a:t>
+              </a:r>
+              <a:endParaRPr lang="en-SG" sz="1050" dirty="0">
+                <a:solidFill>
+                  <a:srgbClr val="7030A0"/>
+                </a:solidFill>
+              </a:endParaRPr>
+            </a:p>
+          </p:txBody>
+        </p:sp>
+        <p:sp>
+          <p:nvSpPr>
+            <p:cNvPr id="88" name="Flowchart: Decision 96">
+              <a:extLst>
+                <a:ext uri="{FF2B5EF4-FFF2-40B4-BE49-F238E27FC236}">
+                  <a16:creationId xmlns:a16="http://schemas.microsoft.com/office/drawing/2014/main" id="{B25E7682-0705-4C74-B261-66F47CD037FB}"/>
+                </a:ext>
+              </a:extLst>
+            </p:cNvPr>
+            <p:cNvSpPr/>
+            <p:nvPr/>
+          </p:nvSpPr>
+          <p:spPr>
+            <a:xfrm>
+              <a:off x="6036804" y="2030977"/>
+              <a:ext cx="236048" cy="173380"/>
+            </a:xfrm>
+            <a:prstGeom prst="flowChartDecision">
+              <a:avLst/>
+            </a:prstGeom>
+            <a:solidFill>
+              <a:srgbClr val="7030A0"/>
+            </a:solidFill>
+            <a:ln w="19050">
+              <a:solidFill>
+                <a:srgbClr val="7030A0"/>
+              </a:solidFill>
+            </a:ln>
+            <a:effectLst/>
+          </p:spPr>
+          <p:style>
+            <a:lnRef idx="1">
+              <a:schemeClr val="accent6"/>
+            </a:lnRef>
+            <a:fillRef idx="2">
+              <a:schemeClr val="accent6"/>
+            </a:fillRef>
+            <a:effectRef idx="1">
+              <a:schemeClr val="accent6"/>
+            </a:effectRef>
+            <a:fontRef idx="minor">
+              <a:schemeClr val="dk1"/>
+            </a:fontRef>
+          </p:style>
+          <p:txBody>
+            <a:bodyPr rtlCol="0" anchor="ctr"/>
+            <a:lstStyle/>
+            <a:p>
+              <a:pPr algn="ctr"/>
+              <a:endParaRPr lang="en-US" sz="1050"/>
+            </a:p>
+          </p:txBody>
+        </p:sp>
+        <p:cxnSp>
+          <p:nvCxnSpPr>
+            <p:cNvPr id="89" name="Elbow Connector 78">
+              <a:extLst>
+                <a:ext uri="{FF2B5EF4-FFF2-40B4-BE49-F238E27FC236}">
+                  <a16:creationId xmlns:a16="http://schemas.microsoft.com/office/drawing/2014/main" id="{1C6AA18D-6DA2-4B43-B445-B1D40C67745F}"/>
+                </a:ext>
+              </a:extLst>
+            </p:cNvPr>
+            <p:cNvCxnSpPr>
+              <a:cxnSpLocks/>
+              <a:stCxn id="88" idx="3"/>
+              <a:endCxn id="87" idx="1"/>
+            </p:cNvCxnSpPr>
+            <p:nvPr/>
+          </p:nvCxnSpPr>
+          <p:spPr>
+            <a:xfrm>
+              <a:off x="6272852" y="2117667"/>
+              <a:ext cx="571180" cy="158825"/>
+            </a:xfrm>
+            <a:prstGeom prst="bentConnector3">
+              <a:avLst/>
+            </a:prstGeom>
+            <a:ln w="19050">
+              <a:solidFill>
+                <a:srgbClr val="7030A0"/>
+              </a:solidFill>
+              <a:headEnd type="none" w="med" len="med"/>
+              <a:tailEnd type="arrow" w="med" len="med"/>
+            </a:ln>
+            <a:effectLst/>
+          </p:spPr>
+          <p:style>
+            <a:lnRef idx="1">
+              <a:schemeClr val="accent2"/>
+            </a:lnRef>
+            <a:fillRef idx="2">
+              <a:schemeClr val="accent2"/>
+            </a:fillRef>
+            <a:effectRef idx="1">
+              <a:schemeClr val="accent2"/>
+            </a:effectRef>
+            <a:fontRef idx="minor">
+              <a:schemeClr val="dk1"/>
+            </a:fontRef>
+          </p:style>
+        </p:cxnSp>
+        <p:sp>
+          <p:nvSpPr>
+            <p:cNvPr id="90" name="Rectangle 8">
+              <a:extLst>
+                <a:ext uri="{FF2B5EF4-FFF2-40B4-BE49-F238E27FC236}">
+                  <a16:creationId xmlns:a16="http://schemas.microsoft.com/office/drawing/2014/main" id="{7098613F-3821-418D-B341-7120A7965E54}"/>
+                </a:ext>
+              </a:extLst>
+            </p:cNvPr>
+            <p:cNvSpPr/>
+            <p:nvPr/>
+          </p:nvSpPr>
+          <p:spPr>
+            <a:xfrm>
+              <a:off x="6844032" y="2456578"/>
+              <a:ext cx="708186" cy="285783"/>
+            </a:xfrm>
+            <a:prstGeom prst="rect">
+              <a:avLst/>
+            </a:prstGeom>
+            <a:ln w="19050">
+              <a:solidFill>
+                <a:srgbClr val="7030A0"/>
+              </a:solidFill>
+            </a:ln>
+            <a:effectLst/>
+          </p:spPr>
+          <p:style>
+            <a:lnRef idx="1">
+              <a:schemeClr val="accent4"/>
+            </a:lnRef>
+            <a:fillRef idx="2">
+              <a:schemeClr val="accent4"/>
+            </a:fillRef>
+            <a:effectRef idx="1">
+              <a:schemeClr val="accent4"/>
+            </a:effectRef>
+            <a:fontRef idx="minor">
+              <a:schemeClr val="dk1"/>
+            </a:fontRef>
+          </p:style>
+          <p:txBody>
+            <a:bodyPr rtlCol="0" anchor="ctr"/>
+            <a:lstStyle/>
+            <a:p>
+              <a:pPr algn="ctr"/>
+              <a:r>
+                <a:rPr lang="en-US" sz="1050" dirty="0">
+                  <a:solidFill>
+                    <a:srgbClr val="7030A0"/>
+                  </a:solidFill>
+                </a:rPr>
+                <a:t>Amount</a:t>
+              </a:r>
+              <a:endParaRPr lang="en-SG" sz="1050" dirty="0">
+                <a:solidFill>
+                  <a:srgbClr val="7030A0"/>
+                </a:solidFill>
+              </a:endParaRPr>
+            </a:p>
+          </p:txBody>
+        </p:sp>
+        <p:sp>
+          <p:nvSpPr>
+            <p:cNvPr id="91" name="Rectangle 8">
+              <a:extLst>
+                <a:ext uri="{FF2B5EF4-FFF2-40B4-BE49-F238E27FC236}">
+                  <a16:creationId xmlns:a16="http://schemas.microsoft.com/office/drawing/2014/main" id="{BA2897C8-58D8-45C2-BEEB-206038662751}"/>
+                </a:ext>
+              </a:extLst>
+            </p:cNvPr>
+            <p:cNvSpPr/>
+            <p:nvPr/>
+          </p:nvSpPr>
+          <p:spPr>
+            <a:xfrm>
+              <a:off x="6844032" y="2779556"/>
+              <a:ext cx="708186" cy="285783"/>
+            </a:xfrm>
+            <a:prstGeom prst="rect">
+              <a:avLst/>
+            </a:prstGeom>
+            <a:ln w="19050">
+              <a:solidFill>
+                <a:srgbClr val="7030A0"/>
+              </a:solidFill>
+            </a:ln>
+            <a:effectLst/>
+          </p:spPr>
+          <p:style>
+            <a:lnRef idx="1">
+              <a:schemeClr val="accent4"/>
+            </a:lnRef>
+            <a:fillRef idx="2">
+              <a:schemeClr val="accent4"/>
+            </a:fillRef>
+            <a:effectRef idx="1">
+              <a:schemeClr val="accent4"/>
+            </a:effectRef>
+            <a:fontRef idx="minor">
+              <a:schemeClr val="dk1"/>
+            </a:fontRef>
+          </p:style>
+          <p:txBody>
+            <a:bodyPr rtlCol="0" anchor="ctr"/>
+            <a:lstStyle/>
+            <a:p>
+              <a:pPr algn="ctr"/>
+              <a:r>
+                <a:rPr lang="en-US" sz="1050" dirty="0">
+                  <a:solidFill>
+                    <a:srgbClr val="7030A0"/>
+                  </a:solidFill>
+                </a:rPr>
+                <a:t>Date</a:t>
+              </a:r>
+              <a:endParaRPr lang="en-SG" sz="1050" dirty="0">
+                <a:solidFill>
+                  <a:srgbClr val="7030A0"/>
+                </a:solidFill>
+              </a:endParaRPr>
+            </a:p>
+          </p:txBody>
+        </p:sp>
+        <p:sp>
+          <p:nvSpPr>
+            <p:cNvPr id="92" name="Rectangle 8">
+              <a:extLst>
+                <a:ext uri="{FF2B5EF4-FFF2-40B4-BE49-F238E27FC236}">
+                  <a16:creationId xmlns:a16="http://schemas.microsoft.com/office/drawing/2014/main" id="{03609DC1-E1C9-4A1D-9B3E-302E3043DE57}"/>
+                </a:ext>
+              </a:extLst>
+            </p:cNvPr>
+            <p:cNvSpPr/>
+            <p:nvPr/>
+          </p:nvSpPr>
+          <p:spPr>
+            <a:xfrm>
+              <a:off x="6844031" y="3102533"/>
+              <a:ext cx="1156969" cy="467961"/>
+            </a:xfrm>
+            <a:prstGeom prst="rect">
+              <a:avLst/>
+            </a:prstGeom>
+            <a:ln w="19050">
+              <a:solidFill>
+                <a:srgbClr val="7030A0"/>
+              </a:solidFill>
+            </a:ln>
+            <a:effectLst/>
+          </p:spPr>
+          <p:style>
+            <a:lnRef idx="1">
+              <a:schemeClr val="accent4"/>
+            </a:lnRef>
+            <a:fillRef idx="2">
+              <a:schemeClr val="accent4"/>
+            </a:fillRef>
+            <a:effectRef idx="1">
+              <a:schemeClr val="accent4"/>
+            </a:effectRef>
+            <a:fontRef idx="minor">
+              <a:schemeClr val="dk1"/>
+            </a:fontRef>
+          </p:style>
+          <p:txBody>
+            <a:bodyPr rtlCol="0" anchor="ctr"/>
+            <a:lstStyle/>
+            <a:p>
+              <a:pPr algn="ctr"/>
+              <a:r>
+                <a:rPr lang="en-US" sz="1050" dirty="0">
+                  <a:solidFill>
+                    <a:srgbClr val="7030A0"/>
+                  </a:solidFill>
+                </a:rPr>
+                <a:t>&lt;&lt;enumeration&gt;&gt;Category</a:t>
+              </a:r>
+              <a:endParaRPr lang="en-SG" sz="1050" dirty="0">
+                <a:solidFill>
+                  <a:srgbClr val="7030A0"/>
+                </a:solidFill>
+              </a:endParaRPr>
+            </a:p>
+          </p:txBody>
+        </p:sp>
+        <p:cxnSp>
+          <p:nvCxnSpPr>
+            <p:cNvPr id="93" name="Elbow Connector 85">
+              <a:extLst>
+                <a:ext uri="{FF2B5EF4-FFF2-40B4-BE49-F238E27FC236}">
+                  <a16:creationId xmlns:a16="http://schemas.microsoft.com/office/drawing/2014/main" id="{10B59768-CA1A-483F-BBD1-AEE44605FB07}"/>
+                </a:ext>
+              </a:extLst>
+            </p:cNvPr>
+            <p:cNvCxnSpPr>
+              <a:cxnSpLocks/>
+              <a:stCxn id="88" idx="3"/>
+              <a:endCxn id="92" idx="1"/>
+            </p:cNvCxnSpPr>
+            <p:nvPr/>
+          </p:nvCxnSpPr>
+          <p:spPr>
+            <a:xfrm>
+              <a:off x="6272852" y="2117667"/>
+              <a:ext cx="571179" cy="1218847"/>
+            </a:xfrm>
+            <a:prstGeom prst="bentConnector3">
+              <a:avLst/>
+            </a:prstGeom>
+            <a:ln w="19050">
+              <a:solidFill>
+                <a:srgbClr val="7030A0"/>
+              </a:solidFill>
+              <a:headEnd type="none" w="med" len="med"/>
+              <a:tailEnd type="arrow" w="med" len="med"/>
+            </a:ln>
+            <a:effectLst/>
+          </p:spPr>
+          <p:style>
+            <a:lnRef idx="1">
+              <a:schemeClr val="accent2"/>
+            </a:lnRef>
+            <a:fillRef idx="2">
+              <a:schemeClr val="accent2"/>
+            </a:fillRef>
+            <a:effectRef idx="1">
+              <a:schemeClr val="accent2"/>
+            </a:effectRef>
+            <a:fontRef idx="minor">
+              <a:schemeClr val="dk1"/>
+            </a:fontRef>
+          </p:style>
+        </p:cxnSp>
+        <p:sp>
+          <p:nvSpPr>
+            <p:cNvPr id="94" name="TextBox 93">
+              <a:extLst>
+                <a:ext uri="{FF2B5EF4-FFF2-40B4-BE49-F238E27FC236}">
+                  <a16:creationId xmlns:a16="http://schemas.microsoft.com/office/drawing/2014/main" id="{5A2FAACE-5CDA-4317-B5B7-52737768A6C9}"/>
+                </a:ext>
+              </a:extLst>
+            </p:cNvPr>
+            <p:cNvSpPr txBox="1"/>
+            <p:nvPr/>
+          </p:nvSpPr>
+          <p:spPr>
+            <a:xfrm>
+              <a:off x="3569450" y="2630134"/>
+              <a:ext cx="189257" cy="178683"/>
+            </a:xfrm>
+            <a:prstGeom prst="rect">
+              <a:avLst/>
+            </a:prstGeom>
+            <a:noFill/>
+          </p:spPr>
+          <p:txBody>
+            <a:bodyPr wrap="square" lIns="0" tIns="0" rIns="0" bIns="0" rtlCol="0">
+              <a:noAutofit/>
+            </a:bodyPr>
+            <a:lstStyle/>
+            <a:p>
+              <a:pPr algn="ctr"/>
+              <a:r>
+                <a:rPr lang="en-US" sz="1100" dirty="0">
+                  <a:solidFill>
+                    <a:srgbClr val="7030A0"/>
+                  </a:solidFill>
+                </a:rPr>
+                <a:t>1</a:t>
+              </a:r>
+              <a:endParaRPr lang="en-SG" sz="1100" dirty="0">
+                <a:solidFill>
+                  <a:srgbClr val="7030A0"/>
+                </a:solidFill>
+              </a:endParaRPr>
+            </a:p>
+          </p:txBody>
+        </p:sp>
+        <p:sp>
+          <p:nvSpPr>
+            <p:cNvPr id="95" name="TextBox 94">
+              <a:extLst>
+                <a:ext uri="{FF2B5EF4-FFF2-40B4-BE49-F238E27FC236}">
+                  <a16:creationId xmlns:a16="http://schemas.microsoft.com/office/drawing/2014/main" id="{45B79383-4164-451C-9129-464A01615A18}"/>
+                </a:ext>
+              </a:extLst>
+            </p:cNvPr>
+            <p:cNvSpPr txBox="1"/>
+            <p:nvPr/>
+          </p:nvSpPr>
+          <p:spPr>
+            <a:xfrm>
+              <a:off x="5176152" y="2451451"/>
+              <a:ext cx="189257" cy="178683"/>
+            </a:xfrm>
+            <a:prstGeom prst="rect">
+              <a:avLst/>
+            </a:prstGeom>
+            <a:noFill/>
+          </p:spPr>
+          <p:txBody>
+            <a:bodyPr wrap="square" lIns="0" tIns="0" rIns="0" bIns="0" rtlCol="0">
+              <a:noAutofit/>
+            </a:bodyPr>
+            <a:lstStyle/>
+            <a:p>
+              <a:pPr algn="ctr"/>
+              <a:r>
+                <a:rPr lang="en-US" sz="1100" dirty="0">
+                  <a:solidFill>
+                    <a:srgbClr val="7030A0"/>
+                  </a:solidFill>
+                </a:rPr>
+                <a:t>*</a:t>
+              </a:r>
+              <a:endParaRPr lang="en-SG" sz="1100" dirty="0">
+                <a:solidFill>
+                  <a:srgbClr val="7030A0"/>
+                </a:solidFill>
+              </a:endParaRPr>
+            </a:p>
+          </p:txBody>
+        </p:sp>
+        <p:sp>
+          <p:nvSpPr>
+            <p:cNvPr id="96" name="Rectangle 8">
+              <a:extLst>
+                <a:ext uri="{FF2B5EF4-FFF2-40B4-BE49-F238E27FC236}">
+                  <a16:creationId xmlns:a16="http://schemas.microsoft.com/office/drawing/2014/main" id="{242F903D-34BF-4BE9-BE2F-0DC6B5279783}"/>
+                </a:ext>
+              </a:extLst>
+            </p:cNvPr>
+            <p:cNvSpPr/>
+            <p:nvPr/>
+          </p:nvSpPr>
+          <p:spPr>
+            <a:xfrm>
+              <a:off x="3729997" y="1991561"/>
+              <a:ext cx="1156969" cy="285783"/>
+            </a:xfrm>
+            <a:prstGeom prst="rect">
+              <a:avLst/>
+            </a:prstGeom>
+            <a:ln w="19050">
+              <a:solidFill>
+                <a:srgbClr val="7030A0"/>
+              </a:solidFill>
+            </a:ln>
+            <a:effectLst/>
+          </p:spPr>
+          <p:style>
+            <a:lnRef idx="1">
+              <a:schemeClr val="accent4"/>
+            </a:lnRef>
+            <a:fillRef idx="2">
+              <a:schemeClr val="accent4"/>
+            </a:fillRef>
+            <a:effectRef idx="1">
+              <a:schemeClr val="accent4"/>
+            </a:effectRef>
+            <a:fontRef idx="minor">
+              <a:schemeClr val="dk1"/>
+            </a:fontRef>
+          </p:style>
+          <p:txBody>
+            <a:bodyPr rtlCol="0" anchor="ctr"/>
+            <a:lstStyle/>
+            <a:p>
+              <a:pPr algn="ctr"/>
+              <a:r>
+                <a:rPr lang="en-US" sz="1050" dirty="0" err="1">
+                  <a:solidFill>
+                    <a:srgbClr val="7030A0"/>
+                  </a:solidFill>
+                </a:rPr>
+                <a:t>ExpenseList</a:t>
+              </a:r>
+              <a:endParaRPr lang="en-SG" sz="1050" dirty="0">
+                <a:solidFill>
+                  <a:srgbClr val="7030A0"/>
+                </a:solidFill>
+              </a:endParaRPr>
+            </a:p>
+          </p:txBody>
+        </p:sp>
+        <p:cxnSp>
+          <p:nvCxnSpPr>
+            <p:cNvPr id="98" name="Elbow Connector 78">
+              <a:extLst>
+                <a:ext uri="{FF2B5EF4-FFF2-40B4-BE49-F238E27FC236}">
+                  <a16:creationId xmlns:a16="http://schemas.microsoft.com/office/drawing/2014/main" id="{B74B14EF-9E51-4B4B-8469-317BBCA521B7}"/>
+                </a:ext>
+              </a:extLst>
+            </p:cNvPr>
+            <p:cNvCxnSpPr>
+              <a:cxnSpLocks/>
+              <a:stCxn id="72" idx="3"/>
+              <a:endCxn id="96" idx="1"/>
+            </p:cNvCxnSpPr>
+            <p:nvPr/>
+          </p:nvCxnSpPr>
+          <p:spPr>
+            <a:xfrm flipV="1">
+              <a:off x="3286303" y="2134453"/>
+              <a:ext cx="443694" cy="669612"/>
+            </a:xfrm>
+            <a:prstGeom prst="bentConnector3">
+              <a:avLst>
+                <a:gd name="adj1" fmla="val 50000"/>
+              </a:avLst>
+            </a:prstGeom>
+            <a:ln w="19050">
+              <a:solidFill>
+                <a:srgbClr val="7030A0"/>
+              </a:solidFill>
+              <a:headEnd type="none" w="med" len="med"/>
+              <a:tailEnd type="arrow" w="med" len="med"/>
+            </a:ln>
+            <a:effectLst/>
+          </p:spPr>
+          <p:style>
+            <a:lnRef idx="1">
+              <a:schemeClr val="accent2"/>
+            </a:lnRef>
+            <a:fillRef idx="2">
+              <a:schemeClr val="accent2"/>
+            </a:fillRef>
+            <a:effectRef idx="1">
+              <a:schemeClr val="accent2"/>
+            </a:effectRef>
+            <a:fontRef idx="minor">
+              <a:schemeClr val="dk1"/>
+            </a:fontRef>
+          </p:style>
+        </p:cxnSp>
+        <p:cxnSp>
+          <p:nvCxnSpPr>
+            <p:cNvPr id="101" name="Elbow Connector 63">
+              <a:extLst>
+                <a:ext uri="{FF2B5EF4-FFF2-40B4-BE49-F238E27FC236}">
+                  <a16:creationId xmlns:a16="http://schemas.microsoft.com/office/drawing/2014/main" id="{63AC8874-6074-42C5-BADA-654FD8735606}"/>
+                </a:ext>
+              </a:extLst>
+            </p:cNvPr>
+            <p:cNvCxnSpPr>
+              <a:cxnSpLocks/>
+              <a:stCxn id="105" idx="3"/>
+              <a:endCxn id="102" idx="1"/>
+            </p:cNvCxnSpPr>
+            <p:nvPr/>
+          </p:nvCxnSpPr>
+          <p:spPr>
+            <a:xfrm>
+              <a:off x="5115883" y="2117945"/>
+              <a:ext cx="214777" cy="197"/>
+            </a:xfrm>
+            <a:prstGeom prst="bentConnector3">
+              <a:avLst/>
+            </a:prstGeom>
+            <a:ln w="19050">
+              <a:solidFill>
+                <a:srgbClr val="7030A0"/>
+              </a:solidFill>
+              <a:headEnd type="none" w="med" len="med"/>
+              <a:tailEnd type="arrow" w="med" len="med"/>
+            </a:ln>
+            <a:effectLst/>
+          </p:spPr>
+          <p:style>
+            <a:lnRef idx="1">
+              <a:schemeClr val="accent2"/>
+            </a:lnRef>
+            <a:fillRef idx="2">
+              <a:schemeClr val="accent2"/>
+            </a:fillRef>
+            <a:effectRef idx="1">
+              <a:schemeClr val="accent2"/>
+            </a:effectRef>
+            <a:fontRef idx="minor">
+              <a:schemeClr val="dk1"/>
+            </a:fontRef>
+          </p:style>
+        </p:cxnSp>
+        <p:sp>
+          <p:nvSpPr>
+            <p:cNvPr id="102" name="Rectangle 8">
+              <a:extLst>
+                <a:ext uri="{FF2B5EF4-FFF2-40B4-BE49-F238E27FC236}">
+                  <a16:creationId xmlns:a16="http://schemas.microsoft.com/office/drawing/2014/main" id="{DED13774-FFE9-444F-95CF-F654AD00A930}"/>
+                </a:ext>
+              </a:extLst>
+            </p:cNvPr>
+            <p:cNvSpPr/>
+            <p:nvPr/>
+          </p:nvSpPr>
+          <p:spPr>
+            <a:xfrm>
+              <a:off x="5330660" y="1975250"/>
+              <a:ext cx="708186" cy="285783"/>
+            </a:xfrm>
+            <a:prstGeom prst="rect">
+              <a:avLst/>
+            </a:prstGeom>
+            <a:ln w="19050">
+              <a:solidFill>
+                <a:srgbClr val="7030A0"/>
+              </a:solidFill>
+            </a:ln>
+            <a:effectLst/>
+          </p:spPr>
+          <p:style>
+            <a:lnRef idx="1">
+              <a:schemeClr val="accent4"/>
+            </a:lnRef>
+            <a:fillRef idx="2">
+              <a:schemeClr val="accent4"/>
+            </a:fillRef>
+            <a:effectRef idx="1">
+              <a:schemeClr val="accent4"/>
+            </a:effectRef>
+            <a:fontRef idx="minor">
+              <a:schemeClr val="dk1"/>
+            </a:fontRef>
+          </p:style>
+          <p:txBody>
+            <a:bodyPr rtlCol="0" anchor="ctr"/>
+            <a:lstStyle/>
+            <a:p>
+              <a:pPr algn="ctr"/>
+              <a:r>
+                <a:rPr lang="en-US" sz="1050" dirty="0">
+                  <a:solidFill>
+                    <a:srgbClr val="7030A0"/>
+                  </a:solidFill>
+                </a:rPr>
+                <a:t>Expense</a:t>
+              </a:r>
+              <a:endParaRPr lang="en-SG" sz="1050" dirty="0">
+                <a:solidFill>
+                  <a:srgbClr val="7030A0"/>
+                </a:solidFill>
+              </a:endParaRPr>
+            </a:p>
+          </p:txBody>
+        </p:sp>
+        <p:sp>
+          <p:nvSpPr>
+            <p:cNvPr id="103" name="TextBox 102">
+              <a:extLst>
+                <a:ext uri="{FF2B5EF4-FFF2-40B4-BE49-F238E27FC236}">
+                  <a16:creationId xmlns:a16="http://schemas.microsoft.com/office/drawing/2014/main" id="{95ED5935-5679-4CBD-A90A-68148CEBFF94}"/>
+                </a:ext>
+              </a:extLst>
+            </p:cNvPr>
+            <p:cNvSpPr txBox="1"/>
+            <p:nvPr/>
+          </p:nvSpPr>
+          <p:spPr>
+            <a:xfrm>
+              <a:off x="5177081" y="1956273"/>
+              <a:ext cx="189257" cy="178683"/>
+            </a:xfrm>
+            <a:prstGeom prst="rect">
+              <a:avLst/>
+            </a:prstGeom>
+            <a:noFill/>
+          </p:spPr>
+          <p:txBody>
+            <a:bodyPr wrap="square" lIns="0" tIns="0" rIns="0" bIns="0" rtlCol="0">
+              <a:noAutofit/>
+            </a:bodyPr>
+            <a:lstStyle/>
+            <a:p>
+              <a:pPr algn="ctr"/>
+              <a:r>
+                <a:rPr lang="en-US" sz="1100" dirty="0">
+                  <a:solidFill>
+                    <a:srgbClr val="7030A0"/>
+                  </a:solidFill>
+                </a:rPr>
+                <a:t>*</a:t>
+              </a:r>
+              <a:endParaRPr lang="en-SG" sz="1100" dirty="0">
+                <a:solidFill>
+                  <a:srgbClr val="7030A0"/>
+                </a:solidFill>
+              </a:endParaRPr>
+            </a:p>
+          </p:txBody>
+        </p:sp>
+        <p:sp>
+          <p:nvSpPr>
+            <p:cNvPr id="104" name="TextBox 103">
+              <a:extLst>
+                <a:ext uri="{FF2B5EF4-FFF2-40B4-BE49-F238E27FC236}">
+                  <a16:creationId xmlns:a16="http://schemas.microsoft.com/office/drawing/2014/main" id="{F1404496-A588-4172-8CF1-4355309F3F69}"/>
+                </a:ext>
+              </a:extLst>
+            </p:cNvPr>
+            <p:cNvSpPr txBox="1"/>
+            <p:nvPr/>
+          </p:nvSpPr>
+          <p:spPr>
+            <a:xfrm>
+              <a:off x="3505039" y="1912425"/>
+              <a:ext cx="189257" cy="178683"/>
+            </a:xfrm>
+            <a:prstGeom prst="rect">
+              <a:avLst/>
+            </a:prstGeom>
+            <a:noFill/>
+          </p:spPr>
+          <p:txBody>
+            <a:bodyPr wrap="square" lIns="0" tIns="0" rIns="0" bIns="0" rtlCol="0">
+              <a:noAutofit/>
+            </a:bodyPr>
+            <a:lstStyle/>
+            <a:p>
+              <a:pPr algn="ctr"/>
+              <a:r>
+                <a:rPr lang="en-US" sz="1100" dirty="0">
+                  <a:solidFill>
+                    <a:srgbClr val="7030A0"/>
+                  </a:solidFill>
+                </a:rPr>
+                <a:t>1</a:t>
+              </a:r>
+              <a:endParaRPr lang="en-SG" sz="1100" dirty="0">
+                <a:solidFill>
+                  <a:srgbClr val="7030A0"/>
+                </a:solidFill>
+              </a:endParaRPr>
+            </a:p>
+          </p:txBody>
+        </p:sp>
+        <p:sp>
+          <p:nvSpPr>
+            <p:cNvPr id="105" name="Flowchart: Decision 96">
+              <a:extLst>
+                <a:ext uri="{FF2B5EF4-FFF2-40B4-BE49-F238E27FC236}">
+                  <a16:creationId xmlns:a16="http://schemas.microsoft.com/office/drawing/2014/main" id="{7AAD7D55-9649-4F95-AB89-109C87D984CD}"/>
+                </a:ext>
+              </a:extLst>
+            </p:cNvPr>
+            <p:cNvSpPr/>
+            <p:nvPr/>
+          </p:nvSpPr>
+          <p:spPr>
+            <a:xfrm>
+              <a:off x="4879835" y="2031255"/>
+              <a:ext cx="236048" cy="173380"/>
+            </a:xfrm>
+            <a:prstGeom prst="flowChartDecision">
+              <a:avLst/>
+            </a:prstGeom>
+            <a:solidFill>
+              <a:srgbClr val="7030A0"/>
+            </a:solidFill>
+            <a:ln w="19050">
+              <a:solidFill>
+                <a:srgbClr val="7030A0"/>
+              </a:solidFill>
+            </a:ln>
+            <a:effectLst/>
+          </p:spPr>
+          <p:style>
+            <a:lnRef idx="1">
+              <a:schemeClr val="accent6"/>
+            </a:lnRef>
+            <a:fillRef idx="2">
+              <a:schemeClr val="accent6"/>
+            </a:fillRef>
+            <a:effectRef idx="1">
+              <a:schemeClr val="accent6"/>
+            </a:effectRef>
+            <a:fontRef idx="minor">
+              <a:schemeClr val="dk1"/>
+            </a:fontRef>
+          </p:style>
+          <p:txBody>
+            <a:bodyPr rtlCol="0" anchor="ctr"/>
+            <a:lstStyle/>
+            <a:p>
+              <a:pPr algn="ctr"/>
+              <a:endParaRPr lang="en-US" sz="1050"/>
+            </a:p>
+          </p:txBody>
+        </p:sp>
+        <p:sp>
+          <p:nvSpPr>
+            <p:cNvPr id="106" name="Rectangle 8">
+              <a:extLst>
+                <a:ext uri="{FF2B5EF4-FFF2-40B4-BE49-F238E27FC236}">
+                  <a16:creationId xmlns:a16="http://schemas.microsoft.com/office/drawing/2014/main" id="{08B5EB12-54B2-455A-BDEE-665C9BD623A3}"/>
+                </a:ext>
+              </a:extLst>
+            </p:cNvPr>
+            <p:cNvSpPr/>
+            <p:nvPr/>
+          </p:nvSpPr>
+          <p:spPr>
+            <a:xfrm>
+              <a:off x="3738623" y="2975046"/>
+              <a:ext cx="1156969" cy="285784"/>
+            </a:xfrm>
+            <a:prstGeom prst="rect">
+              <a:avLst/>
+            </a:prstGeom>
+            <a:ln w="19050">
+              <a:solidFill>
+                <a:srgbClr val="7030A0"/>
+              </a:solidFill>
+            </a:ln>
+            <a:effectLst/>
+          </p:spPr>
+          <p:style>
+            <a:lnRef idx="1">
+              <a:schemeClr val="accent4"/>
+            </a:lnRef>
+            <a:fillRef idx="2">
+              <a:schemeClr val="accent4"/>
+            </a:fillRef>
+            <a:effectRef idx="1">
+              <a:schemeClr val="accent4"/>
+            </a:effectRef>
+            <a:fontRef idx="minor">
+              <a:schemeClr val="dk1"/>
+            </a:fontRef>
+          </p:style>
+          <p:txBody>
+            <a:bodyPr rtlCol="0" anchor="ctr"/>
+            <a:lstStyle/>
+            <a:p>
+              <a:pPr algn="ctr"/>
+              <a:r>
+                <a:rPr lang="en-US" sz="1050" dirty="0" err="1">
+                  <a:solidFill>
+                    <a:srgbClr val="7030A0"/>
+                  </a:solidFill>
+                </a:rPr>
+                <a:t>DebtList</a:t>
+              </a:r>
+              <a:endParaRPr lang="en-SG" sz="1050" dirty="0">
+                <a:solidFill>
+                  <a:srgbClr val="7030A0"/>
+                </a:solidFill>
+              </a:endParaRPr>
+            </a:p>
+          </p:txBody>
+        </p:sp>
+        <p:sp>
+          <p:nvSpPr>
+            <p:cNvPr id="108" name="Rectangle 8">
+              <a:extLst>
+                <a:ext uri="{FF2B5EF4-FFF2-40B4-BE49-F238E27FC236}">
+                  <a16:creationId xmlns:a16="http://schemas.microsoft.com/office/drawing/2014/main" id="{8019C4E5-0A4E-447A-92E2-FA3953CC0E76}"/>
+                </a:ext>
+              </a:extLst>
+            </p:cNvPr>
+            <p:cNvSpPr/>
+            <p:nvPr/>
+          </p:nvSpPr>
+          <p:spPr>
+            <a:xfrm>
+              <a:off x="3731547" y="3454279"/>
+              <a:ext cx="1156969" cy="285784"/>
+            </a:xfrm>
+            <a:prstGeom prst="rect">
+              <a:avLst/>
+            </a:prstGeom>
+            <a:ln w="19050">
+              <a:solidFill>
+                <a:srgbClr val="7030A0"/>
+              </a:solidFill>
+            </a:ln>
+            <a:effectLst/>
+          </p:spPr>
+          <p:style>
+            <a:lnRef idx="1">
+              <a:schemeClr val="accent4"/>
+            </a:lnRef>
+            <a:fillRef idx="2">
+              <a:schemeClr val="accent4"/>
+            </a:fillRef>
+            <a:effectRef idx="1">
+              <a:schemeClr val="accent4"/>
+            </a:effectRef>
+            <a:fontRef idx="minor">
+              <a:schemeClr val="dk1"/>
+            </a:fontRef>
+          </p:style>
+          <p:txBody>
+            <a:bodyPr rtlCol="0" anchor="ctr"/>
+            <a:lstStyle/>
+            <a:p>
+              <a:pPr algn="ctr"/>
+              <a:r>
+                <a:rPr lang="en-US" sz="1050" dirty="0" err="1">
+                  <a:solidFill>
+                    <a:srgbClr val="7030A0"/>
+                  </a:solidFill>
+                </a:rPr>
+                <a:t>BudgetList</a:t>
+              </a:r>
+              <a:endParaRPr lang="en-SG" sz="1050" dirty="0">
+                <a:solidFill>
+                  <a:srgbClr val="7030A0"/>
+                </a:solidFill>
+              </a:endParaRPr>
+            </a:p>
+          </p:txBody>
+        </p:sp>
+        <p:cxnSp>
+          <p:nvCxnSpPr>
+            <p:cNvPr id="109" name="Elbow Connector 29">
+              <a:extLst>
+                <a:ext uri="{FF2B5EF4-FFF2-40B4-BE49-F238E27FC236}">
+                  <a16:creationId xmlns:a16="http://schemas.microsoft.com/office/drawing/2014/main" id="{C3FCC36A-C158-4767-82BB-1F3604373905}"/>
+                </a:ext>
+              </a:extLst>
+            </p:cNvPr>
+            <p:cNvCxnSpPr>
+              <a:cxnSpLocks/>
+              <a:stCxn id="72" idx="3"/>
+              <a:endCxn id="106" idx="1"/>
+            </p:cNvCxnSpPr>
+            <p:nvPr/>
+          </p:nvCxnSpPr>
+          <p:spPr>
+            <a:xfrm>
+              <a:off x="3286303" y="2804065"/>
+              <a:ext cx="452320" cy="313873"/>
+            </a:xfrm>
+            <a:prstGeom prst="bentConnector3">
+              <a:avLst>
+                <a:gd name="adj1" fmla="val 50000"/>
+              </a:avLst>
+            </a:prstGeom>
+            <a:ln w="19050">
+              <a:solidFill>
+                <a:srgbClr val="7030A0"/>
+              </a:solidFill>
+              <a:headEnd type="none" w="med" len="med"/>
+              <a:tailEnd type="arrow" w="med" len="med"/>
+            </a:ln>
+            <a:effectLst/>
+          </p:spPr>
+          <p:style>
+            <a:lnRef idx="1">
+              <a:schemeClr val="accent2"/>
+            </a:lnRef>
+            <a:fillRef idx="2">
+              <a:schemeClr val="accent2"/>
+            </a:fillRef>
+            <a:effectRef idx="1">
+              <a:schemeClr val="accent2"/>
+            </a:effectRef>
+            <a:fontRef idx="minor">
+              <a:schemeClr val="dk1"/>
+            </a:fontRef>
+          </p:style>
+        </p:cxnSp>
+        <p:sp>
+          <p:nvSpPr>
+            <p:cNvPr id="110" name="TextBox 109">
+              <a:extLst>
+                <a:ext uri="{FF2B5EF4-FFF2-40B4-BE49-F238E27FC236}">
+                  <a16:creationId xmlns:a16="http://schemas.microsoft.com/office/drawing/2014/main" id="{1B8876EF-0A49-4054-91C1-AA8CE13DD2FA}"/>
+                </a:ext>
+              </a:extLst>
+            </p:cNvPr>
+            <p:cNvSpPr txBox="1"/>
+            <p:nvPr/>
+          </p:nvSpPr>
+          <p:spPr>
+            <a:xfrm>
+              <a:off x="3564410" y="2910357"/>
+              <a:ext cx="189257" cy="178683"/>
+            </a:xfrm>
+            <a:prstGeom prst="rect">
+              <a:avLst/>
+            </a:prstGeom>
+            <a:noFill/>
+          </p:spPr>
+          <p:txBody>
+            <a:bodyPr wrap="square" lIns="0" tIns="0" rIns="0" bIns="0" rtlCol="0">
+              <a:noAutofit/>
+            </a:bodyPr>
+            <a:lstStyle/>
+            <a:p>
+              <a:pPr algn="ctr"/>
+              <a:r>
+                <a:rPr lang="en-US" sz="1100" dirty="0">
+                  <a:solidFill>
+                    <a:srgbClr val="7030A0"/>
+                  </a:solidFill>
+                </a:rPr>
+                <a:t>1</a:t>
+              </a:r>
+              <a:endParaRPr lang="en-SG" sz="1100" dirty="0">
+                <a:solidFill>
+                  <a:srgbClr val="7030A0"/>
+                </a:solidFill>
+              </a:endParaRPr>
+            </a:p>
+          </p:txBody>
+        </p:sp>
+        <p:cxnSp>
+          <p:nvCxnSpPr>
+            <p:cNvPr id="111" name="Elbow Connector 29">
+              <a:extLst>
+                <a:ext uri="{FF2B5EF4-FFF2-40B4-BE49-F238E27FC236}">
+                  <a16:creationId xmlns:a16="http://schemas.microsoft.com/office/drawing/2014/main" id="{D18AA67D-47BD-478C-80D3-8ED4CF2F0406}"/>
+                </a:ext>
+              </a:extLst>
+            </p:cNvPr>
+            <p:cNvCxnSpPr>
+              <a:cxnSpLocks/>
+              <a:stCxn id="72" idx="3"/>
+              <a:endCxn id="108" idx="1"/>
+            </p:cNvCxnSpPr>
+            <p:nvPr/>
+          </p:nvCxnSpPr>
+          <p:spPr>
+            <a:xfrm>
+              <a:off x="3286303" y="2804065"/>
+              <a:ext cx="445244" cy="793106"/>
+            </a:xfrm>
+            <a:prstGeom prst="bentConnector3">
+              <a:avLst>
+                <a:gd name="adj1" fmla="val 50000"/>
+              </a:avLst>
+            </a:prstGeom>
+            <a:ln w="19050">
+              <a:solidFill>
+                <a:srgbClr val="7030A0"/>
+              </a:solidFill>
+              <a:headEnd type="none" w="med" len="med"/>
+              <a:tailEnd type="arrow" w="med" len="med"/>
+            </a:ln>
+            <a:effectLst/>
+          </p:spPr>
+          <p:style>
+            <a:lnRef idx="1">
+              <a:schemeClr val="accent2"/>
+            </a:lnRef>
+            <a:fillRef idx="2">
+              <a:schemeClr val="accent2"/>
+            </a:fillRef>
+            <a:effectRef idx="1">
+              <a:schemeClr val="accent2"/>
+            </a:effectRef>
+            <a:fontRef idx="minor">
+              <a:schemeClr val="dk1"/>
+            </a:fontRef>
+          </p:style>
+        </p:cxnSp>
+        <p:sp>
+          <p:nvSpPr>
+            <p:cNvPr id="112" name="TextBox 111">
+              <a:extLst>
+                <a:ext uri="{FF2B5EF4-FFF2-40B4-BE49-F238E27FC236}">
+                  <a16:creationId xmlns:a16="http://schemas.microsoft.com/office/drawing/2014/main" id="{CBB2ABF5-C82A-4520-84A1-C0A109F85434}"/>
+                </a:ext>
+              </a:extLst>
+            </p:cNvPr>
+            <p:cNvSpPr txBox="1"/>
+            <p:nvPr/>
+          </p:nvSpPr>
+          <p:spPr>
+            <a:xfrm>
+              <a:off x="3495393" y="3635727"/>
+              <a:ext cx="189257" cy="178683"/>
+            </a:xfrm>
+            <a:prstGeom prst="rect">
+              <a:avLst/>
+            </a:prstGeom>
+            <a:noFill/>
+          </p:spPr>
+          <p:txBody>
+            <a:bodyPr wrap="square" lIns="0" tIns="0" rIns="0" bIns="0" rtlCol="0">
+              <a:noAutofit/>
+            </a:bodyPr>
+            <a:lstStyle/>
+            <a:p>
+              <a:pPr algn="ctr"/>
+              <a:r>
+                <a:rPr lang="en-US" sz="1100" dirty="0">
+                  <a:solidFill>
+                    <a:srgbClr val="7030A0"/>
+                  </a:solidFill>
+                </a:rPr>
+                <a:t>1</a:t>
+              </a:r>
+              <a:endParaRPr lang="en-SG" sz="1100" dirty="0">
+                <a:solidFill>
+                  <a:srgbClr val="7030A0"/>
+                </a:solidFill>
+              </a:endParaRPr>
+            </a:p>
+          </p:txBody>
+        </p:sp>
+        <p:grpSp>
+          <p:nvGrpSpPr>
+            <p:cNvPr id="113" name="Group 112">
+              <a:extLst>
+                <a:ext uri="{FF2B5EF4-FFF2-40B4-BE49-F238E27FC236}">
+                  <a16:creationId xmlns:a16="http://schemas.microsoft.com/office/drawing/2014/main" id="{3840B0F9-C99B-4500-98E2-692764756899}"/>
+                </a:ext>
+              </a:extLst>
+            </p:cNvPr>
+            <p:cNvGrpSpPr/>
+            <p:nvPr/>
+          </p:nvGrpSpPr>
+          <p:grpSpPr>
+            <a:xfrm>
+              <a:off x="5627736" y="2263462"/>
+              <a:ext cx="110227" cy="213864"/>
+              <a:chOff x="5627736" y="2263462"/>
+              <a:chExt cx="110227" cy="213864"/>
+            </a:xfrm>
+          </p:grpSpPr>
+          <p:cxnSp>
+            <p:nvCxnSpPr>
+              <p:cNvPr id="115" name="Elbow Connector 78">
+                <a:extLst>
+                  <a:ext uri="{FF2B5EF4-FFF2-40B4-BE49-F238E27FC236}">
+                    <a16:creationId xmlns:a16="http://schemas.microsoft.com/office/drawing/2014/main" id="{41B9F04E-BB3E-40C2-905B-7C54D37B0DFC}"/>
+                  </a:ext>
+                </a:extLst>
+              </p:cNvPr>
+              <p:cNvCxnSpPr>
+                <a:cxnSpLocks/>
+                <a:stCxn id="74" idx="0"/>
+                <a:endCxn id="116" idx="3"/>
+              </p:cNvCxnSpPr>
+              <p:nvPr/>
+            </p:nvCxnSpPr>
+            <p:spPr>
+              <a:xfrm rot="16200000" flipV="1">
+                <a:off x="5627914" y="2417146"/>
+                <a:ext cx="115116" cy="5243"/>
+              </a:xfrm>
+              <a:prstGeom prst="bentConnector3">
+                <a:avLst>
+                  <a:gd name="adj1" fmla="val 50000"/>
+                </a:avLst>
+              </a:prstGeom>
+              <a:ln w="19050">
+                <a:solidFill>
+                  <a:srgbClr val="7030A0"/>
+                </a:solidFill>
+                <a:headEnd type="none" w="med" len="med"/>
+                <a:tailEnd type="none" w="med" len="med"/>
+              </a:ln>
+              <a:effectLst/>
+            </p:spPr>
+            <p:style>
+              <a:lnRef idx="1">
+                <a:schemeClr val="accent2"/>
+              </a:lnRef>
+              <a:fillRef idx="2">
+                <a:schemeClr val="accent2"/>
+              </a:fillRef>
+              <a:effectRef idx="1">
+                <a:schemeClr val="accent2"/>
+              </a:effectRef>
+              <a:fontRef idx="minor">
+                <a:schemeClr val="dk1"/>
+              </a:fontRef>
+            </p:style>
+          </p:cxnSp>
+          <p:sp>
+            <p:nvSpPr>
+              <p:cNvPr id="116" name="Isosceles Triangle 115">
+                <a:extLst>
+                  <a:ext uri="{FF2B5EF4-FFF2-40B4-BE49-F238E27FC236}">
+                    <a16:creationId xmlns:a16="http://schemas.microsoft.com/office/drawing/2014/main" id="{B92F9B35-E1B1-4657-A997-6968D8A4DD3A}"/>
+                  </a:ext>
+                </a:extLst>
+              </p:cNvPr>
+              <p:cNvSpPr/>
+              <p:nvPr/>
+            </p:nvSpPr>
+            <p:spPr>
+              <a:xfrm>
+                <a:off x="5627736" y="2263462"/>
+                <a:ext cx="110227" cy="98748"/>
+              </a:xfrm>
+              <a:prstGeom prst="triangle">
+                <a:avLst/>
+              </a:prstGeom>
+              <a:noFill/>
+              <a:ln>
+                <a:solidFill>
+                  <a:srgbClr val="7030A0"/>
+                </a:solidFill>
+              </a:ln>
+            </p:spPr>
+            <p:style>
+              <a:lnRef idx="2">
+                <a:schemeClr val="accent1">
+                  <a:shade val="50000"/>
+                </a:schemeClr>
+              </a:lnRef>
+              <a:fillRef idx="1">
+                <a:schemeClr val="accent1"/>
+              </a:fillRef>
+              <a:effectRef idx="0">
+                <a:schemeClr val="accent1"/>
+              </a:effectRef>
+              <a:fontRef idx="minor">
+                <a:schemeClr val="lt1"/>
+              </a:fontRef>
+            </p:style>
+            <p:txBody>
+              <a:bodyPr rtlCol="0" anchor="ctr"/>
+              <a:lstStyle/>
+              <a:p>
+                <a:pPr algn="ctr"/>
+                <a:endParaRPr lang="en-SG"/>
+              </a:p>
+            </p:txBody>
+          </p:sp>
+        </p:grpSp>
+        <p:sp>
+          <p:nvSpPr>
+            <p:cNvPr id="117" name="Rectangle 8">
+              <a:extLst>
+                <a:ext uri="{FF2B5EF4-FFF2-40B4-BE49-F238E27FC236}">
+                  <a16:creationId xmlns:a16="http://schemas.microsoft.com/office/drawing/2014/main" id="{303DB092-E95C-49B6-840F-9E38C23E870D}"/>
+                </a:ext>
+              </a:extLst>
+            </p:cNvPr>
+            <p:cNvSpPr/>
+            <p:nvPr/>
+          </p:nvSpPr>
+          <p:spPr>
+            <a:xfrm>
+              <a:off x="5345202" y="2980351"/>
+              <a:ext cx="708186" cy="285783"/>
+            </a:xfrm>
+            <a:prstGeom prst="rect">
+              <a:avLst/>
+            </a:prstGeom>
+            <a:ln w="19050">
+              <a:solidFill>
+                <a:srgbClr val="7030A0"/>
+              </a:solidFill>
+            </a:ln>
+            <a:effectLst/>
+          </p:spPr>
+          <p:style>
+            <a:lnRef idx="1">
+              <a:schemeClr val="accent4"/>
+            </a:lnRef>
+            <a:fillRef idx="2">
+              <a:schemeClr val="accent4"/>
+            </a:fillRef>
+            <a:effectRef idx="1">
+              <a:schemeClr val="accent4"/>
+            </a:effectRef>
+            <a:fontRef idx="minor">
+              <a:schemeClr val="dk1"/>
+            </a:fontRef>
+          </p:style>
+          <p:txBody>
+            <a:bodyPr rtlCol="0" anchor="ctr"/>
+            <a:lstStyle/>
+            <a:p>
+              <a:pPr algn="ctr"/>
+              <a:r>
+                <a:rPr lang="en-US" sz="1050" dirty="0">
+                  <a:solidFill>
+                    <a:srgbClr val="7030A0"/>
+                  </a:solidFill>
+                </a:rPr>
+                <a:t>Debt</a:t>
+              </a:r>
+              <a:endParaRPr lang="en-SG" sz="1050" dirty="0">
+                <a:solidFill>
+                  <a:srgbClr val="7030A0"/>
+                </a:solidFill>
+              </a:endParaRPr>
+            </a:p>
+          </p:txBody>
+        </p:sp>
+        <p:sp>
+          <p:nvSpPr>
+            <p:cNvPr id="121" name="TextBox 120">
+              <a:extLst>
+                <a:ext uri="{FF2B5EF4-FFF2-40B4-BE49-F238E27FC236}">
+                  <a16:creationId xmlns:a16="http://schemas.microsoft.com/office/drawing/2014/main" id="{21F3A875-1ABA-46A2-B7EF-AF7965C65B23}"/>
+                </a:ext>
+              </a:extLst>
+            </p:cNvPr>
+            <p:cNvSpPr txBox="1"/>
+            <p:nvPr/>
+          </p:nvSpPr>
+          <p:spPr>
+            <a:xfrm>
+              <a:off x="5183402" y="2960870"/>
+              <a:ext cx="189257" cy="178683"/>
+            </a:xfrm>
+            <a:prstGeom prst="rect">
+              <a:avLst/>
+            </a:prstGeom>
+            <a:noFill/>
+          </p:spPr>
+          <p:txBody>
+            <a:bodyPr wrap="square" lIns="0" tIns="0" rIns="0" bIns="0" rtlCol="0">
+              <a:noAutofit/>
+            </a:bodyPr>
+            <a:lstStyle/>
+            <a:p>
+              <a:pPr algn="ctr"/>
+              <a:r>
+                <a:rPr lang="en-US" sz="1100" dirty="0">
+                  <a:solidFill>
+                    <a:srgbClr val="7030A0"/>
+                  </a:solidFill>
+                </a:rPr>
+                <a:t>*</a:t>
+              </a:r>
+              <a:endParaRPr lang="en-SG" sz="1100" dirty="0">
+                <a:solidFill>
+                  <a:srgbClr val="7030A0"/>
+                </a:solidFill>
+              </a:endParaRPr>
+            </a:p>
+          </p:txBody>
+        </p:sp>
+        <p:sp>
+          <p:nvSpPr>
+            <p:cNvPr id="123" name="Flowchart: Decision 122">
+              <a:extLst>
+                <a:ext uri="{FF2B5EF4-FFF2-40B4-BE49-F238E27FC236}">
+                  <a16:creationId xmlns:a16="http://schemas.microsoft.com/office/drawing/2014/main" id="{2FE3BB63-C9B0-4503-8152-7739D3FC480A}"/>
+                </a:ext>
+              </a:extLst>
+            </p:cNvPr>
+            <p:cNvSpPr/>
+            <p:nvPr/>
+          </p:nvSpPr>
+          <p:spPr>
+            <a:xfrm>
+              <a:off x="4894377" y="3036356"/>
+              <a:ext cx="236048" cy="173380"/>
+            </a:xfrm>
+            <a:prstGeom prst="flowChartDecision">
+              <a:avLst/>
+            </a:prstGeom>
+            <a:solidFill>
+              <a:srgbClr val="7030A0"/>
+            </a:solidFill>
+            <a:ln w="19050">
+              <a:solidFill>
+                <a:srgbClr val="7030A0"/>
+              </a:solidFill>
+            </a:ln>
+            <a:effectLst/>
+          </p:spPr>
+          <p:style>
+            <a:lnRef idx="1">
+              <a:schemeClr val="accent6"/>
+            </a:lnRef>
+            <a:fillRef idx="2">
+              <a:schemeClr val="accent6"/>
+            </a:fillRef>
+            <a:effectRef idx="1">
+              <a:schemeClr val="accent6"/>
+            </a:effectRef>
+            <a:fontRef idx="minor">
+              <a:schemeClr val="dk1"/>
+            </a:fontRef>
+          </p:style>
+          <p:txBody>
+            <a:bodyPr rtlCol="0" anchor="ctr"/>
+            <a:lstStyle/>
+            <a:p>
+              <a:pPr algn="ctr"/>
+              <a:endParaRPr lang="en-US" sz="1050"/>
+            </a:p>
+          </p:txBody>
+        </p:sp>
+        <p:cxnSp>
+          <p:nvCxnSpPr>
+            <p:cNvPr id="125" name="Elbow Connector 63">
+              <a:extLst>
+                <a:ext uri="{FF2B5EF4-FFF2-40B4-BE49-F238E27FC236}">
+                  <a16:creationId xmlns:a16="http://schemas.microsoft.com/office/drawing/2014/main" id="{D2BF2BFA-2F15-4308-94BD-CEF6E21290B0}"/>
+                </a:ext>
+              </a:extLst>
+            </p:cNvPr>
+            <p:cNvCxnSpPr>
+              <a:cxnSpLocks/>
+            </p:cNvCxnSpPr>
+            <p:nvPr/>
+          </p:nvCxnSpPr>
+          <p:spPr>
+            <a:xfrm>
+              <a:off x="5138075" y="3129434"/>
+              <a:ext cx="214777" cy="197"/>
+            </a:xfrm>
+            <a:prstGeom prst="bentConnector3">
+              <a:avLst/>
+            </a:prstGeom>
+            <a:ln w="19050">
+              <a:solidFill>
+                <a:srgbClr val="7030A0"/>
+              </a:solidFill>
+              <a:headEnd type="none" w="med" len="med"/>
+              <a:tailEnd type="arrow" w="med" len="med"/>
+            </a:ln>
+            <a:effectLst/>
+          </p:spPr>
+          <p:style>
+            <a:lnRef idx="1">
+              <a:schemeClr val="accent2"/>
+            </a:lnRef>
+            <a:fillRef idx="2">
+              <a:schemeClr val="accent2"/>
+            </a:fillRef>
+            <a:effectRef idx="1">
+              <a:schemeClr val="accent2"/>
+            </a:effectRef>
+            <a:fontRef idx="minor">
+              <a:schemeClr val="dk1"/>
+            </a:fontRef>
+          </p:style>
+        </p:cxnSp>
+        <p:sp>
+          <p:nvSpPr>
+            <p:cNvPr id="126" name="Rectangle 8">
+              <a:extLst>
+                <a:ext uri="{FF2B5EF4-FFF2-40B4-BE49-F238E27FC236}">
+                  <a16:creationId xmlns:a16="http://schemas.microsoft.com/office/drawing/2014/main" id="{890A3995-E893-4BA9-9FD3-A1BD3E31CA67}"/>
+                </a:ext>
+              </a:extLst>
+            </p:cNvPr>
+            <p:cNvSpPr/>
+            <p:nvPr/>
+          </p:nvSpPr>
+          <p:spPr>
+            <a:xfrm>
+              <a:off x="5345202" y="3469904"/>
+              <a:ext cx="708186" cy="285783"/>
+            </a:xfrm>
+            <a:prstGeom prst="rect">
+              <a:avLst/>
+            </a:prstGeom>
+            <a:ln w="19050">
+              <a:solidFill>
+                <a:srgbClr val="7030A0"/>
+              </a:solidFill>
+            </a:ln>
+            <a:effectLst/>
+          </p:spPr>
+          <p:style>
+            <a:lnRef idx="1">
+              <a:schemeClr val="accent4"/>
+            </a:lnRef>
+            <a:fillRef idx="2">
+              <a:schemeClr val="accent4"/>
+            </a:fillRef>
+            <a:effectRef idx="1">
+              <a:schemeClr val="accent4"/>
+            </a:effectRef>
+            <a:fontRef idx="minor">
+              <a:schemeClr val="dk1"/>
+            </a:fontRef>
+          </p:style>
+          <p:txBody>
+            <a:bodyPr rtlCol="0" anchor="ctr"/>
+            <a:lstStyle/>
+            <a:p>
+              <a:pPr algn="ctr"/>
+              <a:r>
+                <a:rPr lang="en-US" sz="1050" dirty="0">
+                  <a:solidFill>
+                    <a:srgbClr val="7030A0"/>
+                  </a:solidFill>
+                </a:rPr>
+                <a:t>Budget</a:t>
+              </a:r>
+              <a:endParaRPr lang="en-SG" sz="1050" dirty="0">
+                <a:solidFill>
+                  <a:srgbClr val="7030A0"/>
+                </a:solidFill>
+              </a:endParaRPr>
+            </a:p>
+          </p:txBody>
+        </p:sp>
+        <p:sp>
+          <p:nvSpPr>
+            <p:cNvPr id="127" name="TextBox 126">
+              <a:extLst>
+                <a:ext uri="{FF2B5EF4-FFF2-40B4-BE49-F238E27FC236}">
+                  <a16:creationId xmlns:a16="http://schemas.microsoft.com/office/drawing/2014/main" id="{7ACF14A0-2B93-47AE-BC30-954B2B1A5AC5}"/>
+                </a:ext>
+              </a:extLst>
+            </p:cNvPr>
+            <p:cNvSpPr txBox="1"/>
+            <p:nvPr/>
+          </p:nvSpPr>
+          <p:spPr>
+            <a:xfrm>
+              <a:off x="5183402" y="3450423"/>
+              <a:ext cx="189257" cy="178683"/>
+            </a:xfrm>
+            <a:prstGeom prst="rect">
+              <a:avLst/>
+            </a:prstGeom>
+            <a:noFill/>
+          </p:spPr>
+          <p:txBody>
+            <a:bodyPr wrap="square" lIns="0" tIns="0" rIns="0" bIns="0" rtlCol="0">
+              <a:noAutofit/>
+            </a:bodyPr>
+            <a:lstStyle/>
+            <a:p>
+              <a:pPr algn="ctr"/>
+              <a:r>
+                <a:rPr lang="en-US" sz="1100" dirty="0">
+                  <a:solidFill>
+                    <a:srgbClr val="7030A0"/>
+                  </a:solidFill>
+                </a:rPr>
+                <a:t>*</a:t>
+              </a:r>
+              <a:endParaRPr lang="en-SG" sz="1100" dirty="0">
+                <a:solidFill>
+                  <a:srgbClr val="7030A0"/>
+                </a:solidFill>
+              </a:endParaRPr>
+            </a:p>
+          </p:txBody>
+        </p:sp>
+        <p:sp>
+          <p:nvSpPr>
+            <p:cNvPr id="128" name="Flowchart: Decision 127">
+              <a:extLst>
+                <a:ext uri="{FF2B5EF4-FFF2-40B4-BE49-F238E27FC236}">
+                  <a16:creationId xmlns:a16="http://schemas.microsoft.com/office/drawing/2014/main" id="{FAACCC7A-D57C-4F38-A273-D8DAC75B3789}"/>
+                </a:ext>
+              </a:extLst>
+            </p:cNvPr>
+            <p:cNvSpPr/>
+            <p:nvPr/>
+          </p:nvSpPr>
+          <p:spPr>
+            <a:xfrm>
+              <a:off x="4894377" y="3525909"/>
+              <a:ext cx="236048" cy="173380"/>
+            </a:xfrm>
+            <a:prstGeom prst="flowChartDecision">
+              <a:avLst/>
+            </a:prstGeom>
+            <a:solidFill>
+              <a:srgbClr val="7030A0"/>
+            </a:solidFill>
+            <a:ln w="19050">
+              <a:solidFill>
+                <a:srgbClr val="7030A0"/>
+              </a:solidFill>
+            </a:ln>
+            <a:effectLst/>
+          </p:spPr>
+          <p:style>
+            <a:lnRef idx="1">
+              <a:schemeClr val="accent6"/>
+            </a:lnRef>
+            <a:fillRef idx="2">
+              <a:schemeClr val="accent6"/>
+            </a:fillRef>
+            <a:effectRef idx="1">
+              <a:schemeClr val="accent6"/>
+            </a:effectRef>
+            <a:fontRef idx="minor">
+              <a:schemeClr val="dk1"/>
+            </a:fontRef>
+          </p:style>
+          <p:txBody>
+            <a:bodyPr rtlCol="0" anchor="ctr"/>
+            <a:lstStyle/>
+            <a:p>
+              <a:pPr algn="ctr"/>
+              <a:endParaRPr lang="en-US" sz="1050"/>
+            </a:p>
+          </p:txBody>
+        </p:sp>
+        <p:cxnSp>
+          <p:nvCxnSpPr>
+            <p:cNvPr id="129" name="Elbow Connector 63">
+              <a:extLst>
+                <a:ext uri="{FF2B5EF4-FFF2-40B4-BE49-F238E27FC236}">
+                  <a16:creationId xmlns:a16="http://schemas.microsoft.com/office/drawing/2014/main" id="{5BEEDB5C-3615-4646-8FE0-7D19AF1E6579}"/>
+                </a:ext>
+              </a:extLst>
+            </p:cNvPr>
+            <p:cNvCxnSpPr>
+              <a:cxnSpLocks/>
+            </p:cNvCxnSpPr>
+            <p:nvPr/>
+          </p:nvCxnSpPr>
+          <p:spPr>
+            <a:xfrm>
+              <a:off x="5138075" y="3618987"/>
+              <a:ext cx="214777" cy="197"/>
+            </a:xfrm>
+            <a:prstGeom prst="bentConnector3">
+              <a:avLst/>
+            </a:prstGeom>
+            <a:ln w="19050">
+              <a:solidFill>
+                <a:srgbClr val="7030A0"/>
+              </a:solidFill>
+              <a:headEnd type="none" w="med" len="med"/>
+              <a:tailEnd type="arrow" w="med" len="med"/>
+            </a:ln>
+            <a:effectLst/>
+          </p:spPr>
+          <p:style>
+            <a:lnRef idx="1">
+              <a:schemeClr val="accent2"/>
+            </a:lnRef>
+            <a:fillRef idx="2">
+              <a:schemeClr val="accent2"/>
+            </a:fillRef>
+            <a:effectRef idx="1">
+              <a:schemeClr val="accent2"/>
+            </a:effectRef>
+            <a:fontRef idx="minor">
+              <a:schemeClr val="dk1"/>
+            </a:fontRef>
+          </p:style>
+        </p:cxnSp>
+        <p:sp>
+          <p:nvSpPr>
+            <p:cNvPr id="130" name="Flowchart: Decision 96">
+              <a:extLst>
+                <a:ext uri="{FF2B5EF4-FFF2-40B4-BE49-F238E27FC236}">
+                  <a16:creationId xmlns:a16="http://schemas.microsoft.com/office/drawing/2014/main" id="{F8BFD004-457B-4DC8-93B8-E3EC1B00B0FF}"/>
+                </a:ext>
+              </a:extLst>
+            </p:cNvPr>
+            <p:cNvSpPr/>
+            <p:nvPr/>
+          </p:nvSpPr>
+          <p:spPr>
+            <a:xfrm>
+              <a:off x="6064122" y="2517395"/>
+              <a:ext cx="236048" cy="173380"/>
+            </a:xfrm>
+            <a:prstGeom prst="flowChartDecision">
+              <a:avLst/>
+            </a:prstGeom>
+            <a:solidFill>
+              <a:srgbClr val="7030A0"/>
+            </a:solidFill>
+            <a:ln w="19050">
+              <a:solidFill>
+                <a:srgbClr val="7030A0"/>
+              </a:solidFill>
+            </a:ln>
+            <a:effectLst/>
+          </p:spPr>
+          <p:style>
+            <a:lnRef idx="1">
+              <a:schemeClr val="accent6"/>
+            </a:lnRef>
+            <a:fillRef idx="2">
+              <a:schemeClr val="accent6"/>
+            </a:fillRef>
+            <a:effectRef idx="1">
+              <a:schemeClr val="accent6"/>
+            </a:effectRef>
+            <a:fontRef idx="minor">
+              <a:schemeClr val="dk1"/>
+            </a:fontRef>
+          </p:style>
+          <p:txBody>
+            <a:bodyPr rtlCol="0" anchor="ctr"/>
+            <a:lstStyle/>
+            <a:p>
+              <a:pPr algn="ctr"/>
+              <a:endParaRPr lang="en-US" sz="1050"/>
+            </a:p>
+          </p:txBody>
+        </p:sp>
+        <p:sp>
+          <p:nvSpPr>
+            <p:cNvPr id="131" name="Flowchart: Decision 96">
+              <a:extLst>
+                <a:ext uri="{FF2B5EF4-FFF2-40B4-BE49-F238E27FC236}">
+                  <a16:creationId xmlns:a16="http://schemas.microsoft.com/office/drawing/2014/main" id="{A757A068-4AFB-4741-85E5-1A216257BA4C}"/>
+                </a:ext>
+              </a:extLst>
+            </p:cNvPr>
+            <p:cNvSpPr/>
+            <p:nvPr/>
+          </p:nvSpPr>
+          <p:spPr>
+            <a:xfrm>
+              <a:off x="6067135" y="3036356"/>
+              <a:ext cx="236048" cy="173380"/>
+            </a:xfrm>
+            <a:prstGeom prst="flowChartDecision">
+              <a:avLst/>
+            </a:prstGeom>
+            <a:solidFill>
+              <a:srgbClr val="7030A0"/>
+            </a:solidFill>
+            <a:ln w="19050">
+              <a:solidFill>
+                <a:srgbClr val="7030A0"/>
+              </a:solidFill>
+            </a:ln>
+            <a:effectLst/>
+          </p:spPr>
+          <p:style>
+            <a:lnRef idx="1">
+              <a:schemeClr val="accent6"/>
+            </a:lnRef>
+            <a:fillRef idx="2">
+              <a:schemeClr val="accent6"/>
+            </a:fillRef>
+            <a:effectRef idx="1">
+              <a:schemeClr val="accent6"/>
+            </a:effectRef>
+            <a:fontRef idx="minor">
+              <a:schemeClr val="dk1"/>
+            </a:fontRef>
+          </p:style>
+          <p:txBody>
+            <a:bodyPr rtlCol="0" anchor="ctr"/>
+            <a:lstStyle/>
+            <a:p>
+              <a:pPr algn="ctr"/>
+              <a:endParaRPr lang="en-US" sz="1050"/>
+            </a:p>
+          </p:txBody>
+        </p:sp>
+        <p:sp>
+          <p:nvSpPr>
+            <p:cNvPr id="132" name="Flowchart: Decision 96">
+              <a:extLst>
+                <a:ext uri="{FF2B5EF4-FFF2-40B4-BE49-F238E27FC236}">
+                  <a16:creationId xmlns:a16="http://schemas.microsoft.com/office/drawing/2014/main" id="{B17A4A95-3162-4CA9-9F71-48B4527A526F}"/>
+                </a:ext>
+              </a:extLst>
+            </p:cNvPr>
+            <p:cNvSpPr/>
+            <p:nvPr/>
+          </p:nvSpPr>
+          <p:spPr>
+            <a:xfrm>
+              <a:off x="6064122" y="3518277"/>
+              <a:ext cx="236048" cy="173380"/>
+            </a:xfrm>
+            <a:prstGeom prst="flowChartDecision">
+              <a:avLst/>
+            </a:prstGeom>
+            <a:solidFill>
+              <a:srgbClr val="7030A0"/>
+            </a:solidFill>
+            <a:ln w="19050">
+              <a:solidFill>
+                <a:srgbClr val="7030A0"/>
+              </a:solidFill>
+            </a:ln>
+            <a:effectLst/>
+          </p:spPr>
+          <p:style>
+            <a:lnRef idx="1">
+              <a:schemeClr val="accent6"/>
+            </a:lnRef>
+            <a:fillRef idx="2">
+              <a:schemeClr val="accent6"/>
+            </a:fillRef>
+            <a:effectRef idx="1">
+              <a:schemeClr val="accent6"/>
+            </a:effectRef>
+            <a:fontRef idx="minor">
+              <a:schemeClr val="dk1"/>
+            </a:fontRef>
+          </p:style>
+          <p:txBody>
+            <a:bodyPr rtlCol="0" anchor="ctr"/>
+            <a:lstStyle/>
+            <a:p>
+              <a:pPr algn="ctr"/>
+              <a:endParaRPr lang="en-US" sz="1050"/>
+            </a:p>
+          </p:txBody>
+        </p:sp>
+        <p:cxnSp>
+          <p:nvCxnSpPr>
+            <p:cNvPr id="133" name="Elbow Connector 85">
+              <a:extLst>
+                <a:ext uri="{FF2B5EF4-FFF2-40B4-BE49-F238E27FC236}">
+                  <a16:creationId xmlns:a16="http://schemas.microsoft.com/office/drawing/2014/main" id="{8B930714-F061-4371-9D42-6A528CAC8EA5}"/>
+                </a:ext>
+              </a:extLst>
+            </p:cNvPr>
+            <p:cNvCxnSpPr>
+              <a:cxnSpLocks/>
+              <a:stCxn id="130" idx="3"/>
+              <a:endCxn id="90" idx="1"/>
+            </p:cNvCxnSpPr>
+            <p:nvPr/>
+          </p:nvCxnSpPr>
+          <p:spPr>
+            <a:xfrm flipV="1">
+              <a:off x="6300170" y="2599470"/>
+              <a:ext cx="543862" cy="4615"/>
+            </a:xfrm>
+            <a:prstGeom prst="bentConnector3">
+              <a:avLst/>
+            </a:prstGeom>
+            <a:ln w="19050">
+              <a:solidFill>
+                <a:srgbClr val="7030A0"/>
+              </a:solidFill>
+              <a:headEnd type="none" w="med" len="med"/>
+              <a:tailEnd type="arrow" w="med" len="med"/>
+            </a:ln>
+            <a:effectLst/>
+          </p:spPr>
+          <p:style>
+            <a:lnRef idx="1">
+              <a:schemeClr val="accent2"/>
+            </a:lnRef>
+            <a:fillRef idx="2">
+              <a:schemeClr val="accent2"/>
+            </a:fillRef>
+            <a:effectRef idx="1">
+              <a:schemeClr val="accent2"/>
+            </a:effectRef>
+            <a:fontRef idx="minor">
+              <a:schemeClr val="dk1"/>
+            </a:fontRef>
+          </p:style>
+        </p:cxnSp>
+        <p:cxnSp>
+          <p:nvCxnSpPr>
+            <p:cNvPr id="134" name="Elbow Connector 85">
+              <a:extLst>
+                <a:ext uri="{FF2B5EF4-FFF2-40B4-BE49-F238E27FC236}">
+                  <a16:creationId xmlns:a16="http://schemas.microsoft.com/office/drawing/2014/main" id="{F58C9180-44F7-4C61-82C1-5DC4D1D1D9A8}"/>
+                </a:ext>
+              </a:extLst>
+            </p:cNvPr>
+            <p:cNvCxnSpPr>
+              <a:cxnSpLocks/>
+              <a:stCxn id="131" idx="3"/>
+              <a:endCxn id="91" idx="1"/>
+            </p:cNvCxnSpPr>
+            <p:nvPr/>
+          </p:nvCxnSpPr>
+          <p:spPr>
+            <a:xfrm flipV="1">
+              <a:off x="6303183" y="2922448"/>
+              <a:ext cx="540849" cy="200598"/>
+            </a:xfrm>
+            <a:prstGeom prst="bentConnector3">
+              <a:avLst>
+                <a:gd name="adj1" fmla="val 47182"/>
+              </a:avLst>
+            </a:prstGeom>
+            <a:ln w="19050">
+              <a:solidFill>
+                <a:srgbClr val="7030A0"/>
+              </a:solidFill>
+              <a:headEnd type="none" w="med" len="med"/>
+              <a:tailEnd type="arrow" w="med" len="med"/>
+            </a:ln>
+            <a:effectLst/>
+          </p:spPr>
+          <p:style>
+            <a:lnRef idx="1">
+              <a:schemeClr val="accent2"/>
+            </a:lnRef>
+            <a:fillRef idx="2">
+              <a:schemeClr val="accent2"/>
+            </a:fillRef>
+            <a:effectRef idx="1">
+              <a:schemeClr val="accent2"/>
+            </a:effectRef>
+            <a:fontRef idx="minor">
+              <a:schemeClr val="dk1"/>
+            </a:fontRef>
+          </p:style>
+        </p:cxnSp>
+        <p:cxnSp>
+          <p:nvCxnSpPr>
+            <p:cNvPr id="135" name="Elbow Connector 85">
+              <a:extLst>
+                <a:ext uri="{FF2B5EF4-FFF2-40B4-BE49-F238E27FC236}">
+                  <a16:creationId xmlns:a16="http://schemas.microsoft.com/office/drawing/2014/main" id="{2A3C2FC4-0E5E-4BFD-A7D5-85D5C4094C71}"/>
+                </a:ext>
+              </a:extLst>
+            </p:cNvPr>
+            <p:cNvCxnSpPr>
+              <a:cxnSpLocks/>
+              <a:stCxn id="132" idx="3"/>
+              <a:endCxn id="92" idx="1"/>
+            </p:cNvCxnSpPr>
+            <p:nvPr/>
+          </p:nvCxnSpPr>
+          <p:spPr>
+            <a:xfrm flipV="1">
+              <a:off x="6300170" y="3336514"/>
+              <a:ext cx="543861" cy="268453"/>
+            </a:xfrm>
+            <a:prstGeom prst="bentConnector3">
+              <a:avLst>
+                <a:gd name="adj1" fmla="val 48132"/>
+              </a:avLst>
+            </a:prstGeom>
+            <a:ln w="19050">
+              <a:solidFill>
+                <a:srgbClr val="7030A0"/>
+              </a:solidFill>
+              <a:headEnd type="none" w="med" len="med"/>
+              <a:tailEnd type="arrow" w="med" len="med"/>
+            </a:ln>
+            <a:effectLst/>
+          </p:spPr>
+          <p:style>
+            <a:lnRef idx="1">
+              <a:schemeClr val="accent2"/>
+            </a:lnRef>
+            <a:fillRef idx="2">
+              <a:schemeClr val="accent2"/>
+            </a:fillRef>
+            <a:effectRef idx="1">
+              <a:schemeClr val="accent2"/>
+            </a:effectRef>
+            <a:fontRef idx="minor">
+              <a:schemeClr val="dk1"/>
+            </a:fontRef>
+          </p:style>
+        </p:cxnSp>
+      </p:grpSp>
     </p:spTree>
     <p:extLst>
       <p:ext uri="{BB962C8B-B14F-4D97-AF65-F5344CB8AC3E}">

--- a/docs/diagrams/ModelComponentClassDiagram.pptx
+++ b/docs/diagrams/ModelComponentClassDiagram.pptx
@@ -208,7 +208,7 @@
           <a:p>
             <a:fld id="{F5CC4B3F-88C1-4FFA-B1B6-F41C21DC6924}" type="datetimeFigureOut">
               <a:rPr lang="en-US" smtClean="0"/>
-              <a:t>3/4/2019</a:t>
+              <a:t>4/1/2019</a:t>
             </a:fld>
             <a:endParaRPr lang="en-US"/>
           </a:p>
@@ -654,7 +654,7 @@
           <a:p>
             <a:fld id="{78C97017-6FC3-485B-9764-EAC9E56C1D49}" type="datetimeFigureOut">
               <a:rPr lang="en-US" smtClean="0"/>
-              <a:t>3/4/2019</a:t>
+              <a:t>4/1/2019</a:t>
             </a:fld>
             <a:endParaRPr lang="en-US"/>
           </a:p>
@@ -822,7 +822,7 @@
           <a:p>
             <a:fld id="{78C97017-6FC3-485B-9764-EAC9E56C1D49}" type="datetimeFigureOut">
               <a:rPr lang="en-US" smtClean="0"/>
-              <a:t>3/4/2019</a:t>
+              <a:t>4/1/2019</a:t>
             </a:fld>
             <a:endParaRPr lang="en-US"/>
           </a:p>
@@ -1000,7 +1000,7 @@
           <a:p>
             <a:fld id="{78C97017-6FC3-485B-9764-EAC9E56C1D49}" type="datetimeFigureOut">
               <a:rPr lang="en-US" smtClean="0"/>
-              <a:t>3/4/2019</a:t>
+              <a:t>4/1/2019</a:t>
             </a:fld>
             <a:endParaRPr lang="en-US"/>
           </a:p>
@@ -1168,7 +1168,7 @@
           <a:p>
             <a:fld id="{78C97017-6FC3-485B-9764-EAC9E56C1D49}" type="datetimeFigureOut">
               <a:rPr lang="en-US" smtClean="0"/>
-              <a:t>3/4/2019</a:t>
+              <a:t>4/1/2019</a:t>
             </a:fld>
             <a:endParaRPr lang="en-US"/>
           </a:p>
@@ -1413,7 +1413,7 @@
           <a:p>
             <a:fld id="{78C97017-6FC3-485B-9764-EAC9E56C1D49}" type="datetimeFigureOut">
               <a:rPr lang="en-US" smtClean="0"/>
-              <a:t>3/4/2019</a:t>
+              <a:t>4/1/2019</a:t>
             </a:fld>
             <a:endParaRPr lang="en-US"/>
           </a:p>
@@ -1698,7 +1698,7 @@
           <a:p>
             <a:fld id="{78C97017-6FC3-485B-9764-EAC9E56C1D49}" type="datetimeFigureOut">
               <a:rPr lang="en-US" smtClean="0"/>
-              <a:t>3/4/2019</a:t>
+              <a:t>4/1/2019</a:t>
             </a:fld>
             <a:endParaRPr lang="en-US"/>
           </a:p>
@@ -2117,7 +2117,7 @@
           <a:p>
             <a:fld id="{78C97017-6FC3-485B-9764-EAC9E56C1D49}" type="datetimeFigureOut">
               <a:rPr lang="en-US" smtClean="0"/>
-              <a:t>3/4/2019</a:t>
+              <a:t>4/1/2019</a:t>
             </a:fld>
             <a:endParaRPr lang="en-US"/>
           </a:p>
@@ -2234,7 +2234,7 @@
           <a:p>
             <a:fld id="{78C97017-6FC3-485B-9764-EAC9E56C1D49}" type="datetimeFigureOut">
               <a:rPr lang="en-US" smtClean="0"/>
-              <a:t>3/4/2019</a:t>
+              <a:t>4/1/2019</a:t>
             </a:fld>
             <a:endParaRPr lang="en-US"/>
           </a:p>
@@ -2329,7 +2329,7 @@
           <a:p>
             <a:fld id="{78C97017-6FC3-485B-9764-EAC9E56C1D49}" type="datetimeFigureOut">
               <a:rPr lang="en-US" smtClean="0"/>
-              <a:t>3/4/2019</a:t>
+              <a:t>4/1/2019</a:t>
             </a:fld>
             <a:endParaRPr lang="en-US"/>
           </a:p>
@@ -2604,7 +2604,7 @@
           <a:p>
             <a:fld id="{78C97017-6FC3-485B-9764-EAC9E56C1D49}" type="datetimeFigureOut">
               <a:rPr lang="en-US" smtClean="0"/>
-              <a:t>3/4/2019</a:t>
+              <a:t>4/1/2019</a:t>
             </a:fld>
             <a:endParaRPr lang="en-US"/>
           </a:p>
@@ -2856,7 +2856,7 @@
           <a:p>
             <a:fld id="{78C97017-6FC3-485B-9764-EAC9E56C1D49}" type="datetimeFigureOut">
               <a:rPr lang="en-US" smtClean="0"/>
-              <a:t>3/4/2019</a:t>
+              <a:t>4/1/2019</a:t>
             </a:fld>
             <a:endParaRPr lang="en-US"/>
           </a:p>
@@ -3067,7 +3067,7 @@
           <a:p>
             <a:fld id="{78C97017-6FC3-485B-9764-EAC9E56C1D49}" type="datetimeFigureOut">
               <a:rPr lang="en-US" smtClean="0"/>
-              <a:t>3/4/2019</a:t>
+              <a:t>4/1/2019</a:t>
             </a:fld>
             <a:endParaRPr lang="en-US"/>
           </a:p>
@@ -3450,8 +3450,8 @@
         </p:nvSpPr>
         <p:spPr>
           <a:xfrm>
-            <a:off x="514574" y="1600200"/>
-            <a:ext cx="8324626" cy="3124200"/>
+            <a:off x="514574" y="1450660"/>
+            <a:ext cx="8324626" cy="3273740"/>
           </a:xfrm>
           <a:prstGeom prst="roundRect">
             <a:avLst>
@@ -4688,10 +4688,10 @@
       </p:cxnSp>
       <p:grpSp>
         <p:nvGrpSpPr>
-          <p:cNvPr id="3" name="Group 2">
+          <p:cNvPr id="4" name="Group 3">
             <a:extLst>
               <a:ext uri="{FF2B5EF4-FFF2-40B4-BE49-F238E27FC236}">
-                <a16:creationId xmlns:a16="http://schemas.microsoft.com/office/drawing/2014/main" id="{38081BAF-D39C-4E30-BDF8-89D2097977DA}"/>
+                <a16:creationId xmlns:a16="http://schemas.microsoft.com/office/drawing/2014/main" id="{2C5114E3-A7A4-4E25-8790-71F45B3F1102}"/>
               </a:ext>
             </a:extLst>
           </p:cNvPr>
@@ -4700,18 +4700,18 @@
         </p:nvGrpSpPr>
         <p:grpSpPr>
           <a:xfrm>
-            <a:off x="2212500" y="2122760"/>
-            <a:ext cx="6555400" cy="1901985"/>
-            <a:chOff x="1445600" y="1912425"/>
-            <a:chExt cx="6555400" cy="1901985"/>
+            <a:off x="2207600" y="1665782"/>
+            <a:ext cx="6555400" cy="2358964"/>
+            <a:chOff x="1445600" y="1455446"/>
+            <a:chExt cx="6555400" cy="2358964"/>
           </a:xfrm>
         </p:grpSpPr>
         <p:sp>
           <p:nvSpPr>
-            <p:cNvPr id="56" name="Rectangle 8">
+            <p:cNvPr id="76" name="Rectangle 8">
               <a:extLst>
                 <a:ext uri="{FF2B5EF4-FFF2-40B4-BE49-F238E27FC236}">
-                  <a16:creationId xmlns:a16="http://schemas.microsoft.com/office/drawing/2014/main" id="{325D769B-8055-4422-91E2-B8595D90A940}"/>
+                  <a16:creationId xmlns:a16="http://schemas.microsoft.com/office/drawing/2014/main" id="{CE730786-7CDF-4321-A13E-1E5864A247F3}"/>
                 </a:ext>
               </a:extLst>
             </p:cNvPr>
@@ -4770,10 +4770,10 @@
         </p:sp>
         <p:sp>
           <p:nvSpPr>
-            <p:cNvPr id="71" name="Rectangle 8">
+            <p:cNvPr id="78" name="Rectangle 8">
               <a:extLst>
                 <a:ext uri="{FF2B5EF4-FFF2-40B4-BE49-F238E27FC236}">
-                  <a16:creationId xmlns:a16="http://schemas.microsoft.com/office/drawing/2014/main" id="{007EAAB0-DDC1-484C-A4A7-177938854AEE}"/>
+                  <a16:creationId xmlns:a16="http://schemas.microsoft.com/office/drawing/2014/main" id="{69C7E533-810C-4041-B010-70A72D3EA843}"/>
                 </a:ext>
               </a:extLst>
             </p:cNvPr>
@@ -4820,7 +4820,7 @@
                     <a:srgbClr val="7030A0"/>
                   </a:solidFill>
                 </a:rPr>
-                <a:t>RecurringList</a:t>
+                <a:t>ExpenseList</a:t>
               </a:r>
               <a:endParaRPr lang="en-SG" sz="1050" dirty="0">
                 <a:solidFill>
@@ -4832,10 +4832,10 @@
         </p:sp>
         <p:sp>
           <p:nvSpPr>
-            <p:cNvPr id="72" name="Flowchart: Decision 96">
+            <p:cNvPr id="79" name="Flowchart: Decision 96">
               <a:extLst>
                 <a:ext uri="{FF2B5EF4-FFF2-40B4-BE49-F238E27FC236}">
-                  <a16:creationId xmlns:a16="http://schemas.microsoft.com/office/drawing/2014/main" id="{897A07C1-39A3-4387-B1E3-792050E79F11}"/>
+                  <a16:creationId xmlns:a16="http://schemas.microsoft.com/office/drawing/2014/main" id="{9FCF3EB6-8028-4A20-8CA6-5E65EE736372}"/>
                 </a:ext>
               </a:extLst>
             </p:cNvPr>
@@ -4885,17 +4885,17 @@
         </p:sp>
         <p:cxnSp>
           <p:nvCxnSpPr>
-            <p:cNvPr id="73" name="Elbow Connector 29">
+            <p:cNvPr id="80" name="Elbow Connector 29">
               <a:extLst>
                 <a:ext uri="{FF2B5EF4-FFF2-40B4-BE49-F238E27FC236}">
-                  <a16:creationId xmlns:a16="http://schemas.microsoft.com/office/drawing/2014/main" id="{723A3EBE-78A6-48B6-B194-792087E31381}"/>
+                  <a16:creationId xmlns:a16="http://schemas.microsoft.com/office/drawing/2014/main" id="{4765DD34-5AA4-41CD-92F0-B4F2A2D77853}"/>
                 </a:ext>
               </a:extLst>
             </p:cNvPr>
             <p:cNvCxnSpPr>
               <a:cxnSpLocks/>
-              <a:stCxn id="72" idx="3"/>
-              <a:endCxn id="71" idx="1"/>
+              <a:stCxn id="79" idx="3"/>
+              <a:endCxn id="78" idx="1"/>
             </p:cNvCxnSpPr>
             <p:nvPr/>
           </p:nvCxnSpPr>
@@ -4935,10 +4935,10 @@
         </p:cxnSp>
         <p:sp>
           <p:nvSpPr>
-            <p:cNvPr id="74" name="Rectangle 8">
+            <p:cNvPr id="81" name="Rectangle 8">
               <a:extLst>
                 <a:ext uri="{FF2B5EF4-FFF2-40B4-BE49-F238E27FC236}">
-                  <a16:creationId xmlns:a16="http://schemas.microsoft.com/office/drawing/2014/main" id="{1C4A8E51-DB23-4F7E-9ACC-A0DB20934D4F}"/>
+                  <a16:creationId xmlns:a16="http://schemas.microsoft.com/office/drawing/2014/main" id="{3EB4C94A-12DD-48D5-B383-85E36610DC3A}"/>
                 </a:ext>
               </a:extLst>
             </p:cNvPr>
@@ -4985,7 +4985,7 @@
                     <a:srgbClr val="7030A0"/>
                   </a:solidFill>
                 </a:rPr>
-                <a:t>Recurring</a:t>
+                <a:t>Expense</a:t>
               </a:r>
               <a:endParaRPr lang="en-SG" sz="1050" dirty="0">
                 <a:solidFill>
@@ -4997,10 +4997,10 @@
         </p:sp>
         <p:sp>
           <p:nvSpPr>
-            <p:cNvPr id="77" name="Flowchart: Decision 96">
+            <p:cNvPr id="83" name="Flowchart: Decision 96">
               <a:extLst>
                 <a:ext uri="{FF2B5EF4-FFF2-40B4-BE49-F238E27FC236}">
-                  <a16:creationId xmlns:a16="http://schemas.microsoft.com/office/drawing/2014/main" id="{F57879FB-F788-4C52-BCAC-FC6405104C12}"/>
+                  <a16:creationId xmlns:a16="http://schemas.microsoft.com/office/drawing/2014/main" id="{471C37D8-B965-4300-84D1-D24A4E0ABA5F}"/>
                 </a:ext>
               </a:extLst>
             </p:cNvPr>
@@ -5050,17 +5050,17 @@
         </p:sp>
         <p:cxnSp>
           <p:nvCxnSpPr>
-            <p:cNvPr id="82" name="Elbow Connector 63">
+            <p:cNvPr id="84" name="Elbow Connector 63">
               <a:extLst>
                 <a:ext uri="{FF2B5EF4-FFF2-40B4-BE49-F238E27FC236}">
-                  <a16:creationId xmlns:a16="http://schemas.microsoft.com/office/drawing/2014/main" id="{8CF42116-B801-45BB-A654-15180DF7953C}"/>
+                  <a16:creationId xmlns:a16="http://schemas.microsoft.com/office/drawing/2014/main" id="{B801B49A-9743-4C97-9886-1FCB0D218EEE}"/>
                 </a:ext>
               </a:extLst>
             </p:cNvPr>
             <p:cNvCxnSpPr>
               <a:cxnSpLocks/>
-              <a:stCxn id="77" idx="3"/>
-              <a:endCxn id="74" idx="1"/>
+              <a:stCxn id="83" idx="3"/>
+              <a:endCxn id="81" idx="1"/>
             </p:cNvCxnSpPr>
             <p:nvPr/>
           </p:nvCxnSpPr>
@@ -5098,10 +5098,10 @@
         </p:cxnSp>
         <p:sp>
           <p:nvSpPr>
-            <p:cNvPr id="87" name="Rectangle 8">
+            <p:cNvPr id="85" name="Rectangle 8">
               <a:extLst>
                 <a:ext uri="{FF2B5EF4-FFF2-40B4-BE49-F238E27FC236}">
-                  <a16:creationId xmlns:a16="http://schemas.microsoft.com/office/drawing/2014/main" id="{F55F163B-AB25-494A-BEA9-370066AB11B7}"/>
+                  <a16:creationId xmlns:a16="http://schemas.microsoft.com/office/drawing/2014/main" id="{3226A7B1-5558-4890-98D6-FD6770FF434F}"/>
                 </a:ext>
               </a:extLst>
             </p:cNvPr>
@@ -5160,10 +5160,10 @@
         </p:sp>
         <p:sp>
           <p:nvSpPr>
-            <p:cNvPr id="88" name="Flowchart: Decision 96">
+            <p:cNvPr id="86" name="Flowchart: Decision 96">
               <a:extLst>
                 <a:ext uri="{FF2B5EF4-FFF2-40B4-BE49-F238E27FC236}">
-                  <a16:creationId xmlns:a16="http://schemas.microsoft.com/office/drawing/2014/main" id="{B25E7682-0705-4C74-B261-66F47CD037FB}"/>
+                  <a16:creationId xmlns:a16="http://schemas.microsoft.com/office/drawing/2014/main" id="{001C3134-EBDC-4303-A1E7-29B5FAE65271}"/>
                 </a:ext>
               </a:extLst>
             </p:cNvPr>
@@ -5213,17 +5213,17 @@
         </p:sp>
         <p:cxnSp>
           <p:nvCxnSpPr>
-            <p:cNvPr id="89" name="Elbow Connector 78">
+            <p:cNvPr id="107" name="Elbow Connector 78">
               <a:extLst>
                 <a:ext uri="{FF2B5EF4-FFF2-40B4-BE49-F238E27FC236}">
-                  <a16:creationId xmlns:a16="http://schemas.microsoft.com/office/drawing/2014/main" id="{1C6AA18D-6DA2-4B43-B445-B1D40C67745F}"/>
+                  <a16:creationId xmlns:a16="http://schemas.microsoft.com/office/drawing/2014/main" id="{CAF660F9-7228-4176-8E9D-E9E0EBC99D3C}"/>
                 </a:ext>
               </a:extLst>
             </p:cNvPr>
             <p:cNvCxnSpPr>
               <a:cxnSpLocks/>
-              <a:stCxn id="88" idx="3"/>
-              <a:endCxn id="87" idx="1"/>
+              <a:stCxn id="86" idx="3"/>
+              <a:endCxn id="85" idx="1"/>
             </p:cNvCxnSpPr>
             <p:nvPr/>
           </p:nvCxnSpPr>
@@ -5261,10 +5261,10 @@
         </p:cxnSp>
         <p:sp>
           <p:nvSpPr>
-            <p:cNvPr id="90" name="Rectangle 8">
+            <p:cNvPr id="114" name="Rectangle 8">
               <a:extLst>
                 <a:ext uri="{FF2B5EF4-FFF2-40B4-BE49-F238E27FC236}">
-                  <a16:creationId xmlns:a16="http://schemas.microsoft.com/office/drawing/2014/main" id="{7098613F-3821-418D-B341-7120A7965E54}"/>
+                  <a16:creationId xmlns:a16="http://schemas.microsoft.com/office/drawing/2014/main" id="{13171FA3-45AA-46A6-8D24-AF49BF0B48C2}"/>
                 </a:ext>
               </a:extLst>
             </p:cNvPr>
@@ -5323,10 +5323,10 @@
         </p:sp>
         <p:sp>
           <p:nvSpPr>
-            <p:cNvPr id="91" name="Rectangle 8">
+            <p:cNvPr id="136" name="Rectangle 8">
               <a:extLst>
                 <a:ext uri="{FF2B5EF4-FFF2-40B4-BE49-F238E27FC236}">
-                  <a16:creationId xmlns:a16="http://schemas.microsoft.com/office/drawing/2014/main" id="{BA2897C8-58D8-45C2-BEEB-206038662751}"/>
+                  <a16:creationId xmlns:a16="http://schemas.microsoft.com/office/drawing/2014/main" id="{A16FA629-9002-47B4-BD52-AA66C25F4B96}"/>
                 </a:ext>
               </a:extLst>
             </p:cNvPr>
@@ -5385,10 +5385,10 @@
         </p:sp>
         <p:sp>
           <p:nvSpPr>
-            <p:cNvPr id="92" name="Rectangle 8">
+            <p:cNvPr id="137" name="Rectangle 8">
               <a:extLst>
                 <a:ext uri="{FF2B5EF4-FFF2-40B4-BE49-F238E27FC236}">
-                  <a16:creationId xmlns:a16="http://schemas.microsoft.com/office/drawing/2014/main" id="{03609DC1-E1C9-4A1D-9B3E-302E3043DE57}"/>
+                  <a16:creationId xmlns:a16="http://schemas.microsoft.com/office/drawing/2014/main" id="{6E6D5AE4-FBEF-4277-839A-A5F305BB223F}"/>
                 </a:ext>
               </a:extLst>
             </p:cNvPr>
@@ -5447,17 +5447,17 @@
         </p:sp>
         <p:cxnSp>
           <p:nvCxnSpPr>
-            <p:cNvPr id="93" name="Elbow Connector 85">
+            <p:cNvPr id="138" name="Elbow Connector 85">
               <a:extLst>
                 <a:ext uri="{FF2B5EF4-FFF2-40B4-BE49-F238E27FC236}">
-                  <a16:creationId xmlns:a16="http://schemas.microsoft.com/office/drawing/2014/main" id="{10B59768-CA1A-483F-BBD1-AEE44605FB07}"/>
+                  <a16:creationId xmlns:a16="http://schemas.microsoft.com/office/drawing/2014/main" id="{DE997E2D-9350-47B1-8784-DC953A934717}"/>
                 </a:ext>
               </a:extLst>
             </p:cNvPr>
             <p:cNvCxnSpPr>
               <a:cxnSpLocks/>
-              <a:stCxn id="88" idx="3"/>
-              <a:endCxn id="92" idx="1"/>
+              <a:stCxn id="86" idx="3"/>
+              <a:endCxn id="137" idx="1"/>
             </p:cNvCxnSpPr>
             <p:nvPr/>
           </p:nvCxnSpPr>
@@ -5495,10 +5495,10 @@
         </p:cxnSp>
         <p:sp>
           <p:nvSpPr>
-            <p:cNvPr id="94" name="TextBox 93">
+            <p:cNvPr id="139" name="TextBox 138">
               <a:extLst>
                 <a:ext uri="{FF2B5EF4-FFF2-40B4-BE49-F238E27FC236}">
-                  <a16:creationId xmlns:a16="http://schemas.microsoft.com/office/drawing/2014/main" id="{5A2FAACE-5CDA-4317-B5B7-52737768A6C9}"/>
+                  <a16:creationId xmlns:a16="http://schemas.microsoft.com/office/drawing/2014/main" id="{F8279AF2-6D08-4EE2-96AD-5345845012F0}"/>
                 </a:ext>
               </a:extLst>
             </p:cNvPr>
@@ -5540,10 +5540,10 @@
         </p:sp>
         <p:sp>
           <p:nvSpPr>
-            <p:cNvPr id="95" name="TextBox 94">
+            <p:cNvPr id="140" name="TextBox 139">
               <a:extLst>
                 <a:ext uri="{FF2B5EF4-FFF2-40B4-BE49-F238E27FC236}">
-                  <a16:creationId xmlns:a16="http://schemas.microsoft.com/office/drawing/2014/main" id="{45B79383-4164-451C-9129-464A01615A18}"/>
+                  <a16:creationId xmlns:a16="http://schemas.microsoft.com/office/drawing/2014/main" id="{8C1BFBDB-F0A1-49F4-A56F-BC2358C1F723}"/>
                 </a:ext>
               </a:extLst>
             </p:cNvPr>
@@ -5585,10 +5585,10 @@
         </p:sp>
         <p:sp>
           <p:nvSpPr>
-            <p:cNvPr id="96" name="Rectangle 8">
+            <p:cNvPr id="141" name="Rectangle 8">
               <a:extLst>
                 <a:ext uri="{FF2B5EF4-FFF2-40B4-BE49-F238E27FC236}">
-                  <a16:creationId xmlns:a16="http://schemas.microsoft.com/office/drawing/2014/main" id="{242F903D-34BF-4BE9-BE2F-0DC6B5279783}"/>
+                  <a16:creationId xmlns:a16="http://schemas.microsoft.com/office/drawing/2014/main" id="{63403C6D-877A-4B28-9099-243CA556533E}"/>
                 </a:ext>
               </a:extLst>
             </p:cNvPr>
@@ -5635,7 +5635,7 @@
                     <a:srgbClr val="7030A0"/>
                   </a:solidFill>
                 </a:rPr>
-                <a:t>ExpenseList</a:t>
+                <a:t>RecurringList</a:t>
               </a:r>
               <a:endParaRPr lang="en-SG" sz="1050" dirty="0">
                 <a:solidFill>
@@ -5647,17 +5647,17 @@
         </p:sp>
         <p:cxnSp>
           <p:nvCxnSpPr>
-            <p:cNvPr id="98" name="Elbow Connector 78">
+            <p:cNvPr id="142" name="Elbow Connector 78">
               <a:extLst>
                 <a:ext uri="{FF2B5EF4-FFF2-40B4-BE49-F238E27FC236}">
-                  <a16:creationId xmlns:a16="http://schemas.microsoft.com/office/drawing/2014/main" id="{B74B14EF-9E51-4B4B-8469-317BBCA521B7}"/>
+                  <a16:creationId xmlns:a16="http://schemas.microsoft.com/office/drawing/2014/main" id="{137EDC79-F803-4DD3-A821-69062FC2C4C1}"/>
                 </a:ext>
               </a:extLst>
             </p:cNvPr>
             <p:cNvCxnSpPr>
               <a:cxnSpLocks/>
-              <a:stCxn id="72" idx="3"/>
-              <a:endCxn id="96" idx="1"/>
+              <a:stCxn id="79" idx="3"/>
+              <a:endCxn id="141" idx="1"/>
             </p:cNvCxnSpPr>
             <p:nvPr/>
           </p:nvCxnSpPr>
@@ -5697,17 +5697,17 @@
         </p:cxnSp>
         <p:cxnSp>
           <p:nvCxnSpPr>
-            <p:cNvPr id="101" name="Elbow Connector 63">
+            <p:cNvPr id="143" name="Elbow Connector 63">
               <a:extLst>
                 <a:ext uri="{FF2B5EF4-FFF2-40B4-BE49-F238E27FC236}">
-                  <a16:creationId xmlns:a16="http://schemas.microsoft.com/office/drawing/2014/main" id="{63AC8874-6074-42C5-BADA-654FD8735606}"/>
+                  <a16:creationId xmlns:a16="http://schemas.microsoft.com/office/drawing/2014/main" id="{D6E15DCE-33D8-4C2F-BA04-8018128A4F17}"/>
                 </a:ext>
               </a:extLst>
             </p:cNvPr>
             <p:cNvCxnSpPr>
               <a:cxnSpLocks/>
-              <a:stCxn id="105" idx="3"/>
-              <a:endCxn id="102" idx="1"/>
+              <a:stCxn id="147" idx="3"/>
+              <a:endCxn id="144" idx="1"/>
             </p:cNvCxnSpPr>
             <p:nvPr/>
           </p:nvCxnSpPr>
@@ -5745,10 +5745,10 @@
         </p:cxnSp>
         <p:sp>
           <p:nvSpPr>
-            <p:cNvPr id="102" name="Rectangle 8">
+            <p:cNvPr id="144" name="Rectangle 8">
               <a:extLst>
                 <a:ext uri="{FF2B5EF4-FFF2-40B4-BE49-F238E27FC236}">
-                  <a16:creationId xmlns:a16="http://schemas.microsoft.com/office/drawing/2014/main" id="{DED13774-FFE9-444F-95CF-F654AD00A930}"/>
+                  <a16:creationId xmlns:a16="http://schemas.microsoft.com/office/drawing/2014/main" id="{8ABDC3DA-2A43-4BB2-B6CA-7ACF716EE4B8}"/>
                 </a:ext>
               </a:extLst>
             </p:cNvPr>
@@ -5795,7 +5795,7 @@
                     <a:srgbClr val="7030A0"/>
                   </a:solidFill>
                 </a:rPr>
-                <a:t>Expense</a:t>
+                <a:t>Recurring</a:t>
               </a:r>
               <a:endParaRPr lang="en-SG" sz="1050" dirty="0">
                 <a:solidFill>
@@ -5807,10 +5807,10 @@
         </p:sp>
         <p:sp>
           <p:nvSpPr>
-            <p:cNvPr id="103" name="TextBox 102">
+            <p:cNvPr id="145" name="TextBox 144">
               <a:extLst>
                 <a:ext uri="{FF2B5EF4-FFF2-40B4-BE49-F238E27FC236}">
-                  <a16:creationId xmlns:a16="http://schemas.microsoft.com/office/drawing/2014/main" id="{95ED5935-5679-4CBD-A90A-68148CEBFF94}"/>
+                  <a16:creationId xmlns:a16="http://schemas.microsoft.com/office/drawing/2014/main" id="{6A32B004-DDAA-487E-B81E-84F21C226D6F}"/>
                 </a:ext>
               </a:extLst>
             </p:cNvPr>
@@ -5852,10 +5852,10 @@
         </p:sp>
         <p:sp>
           <p:nvSpPr>
-            <p:cNvPr id="104" name="TextBox 103">
+            <p:cNvPr id="146" name="TextBox 145">
               <a:extLst>
                 <a:ext uri="{FF2B5EF4-FFF2-40B4-BE49-F238E27FC236}">
-                  <a16:creationId xmlns:a16="http://schemas.microsoft.com/office/drawing/2014/main" id="{F1404496-A588-4172-8CF1-4355309F3F69}"/>
+                  <a16:creationId xmlns:a16="http://schemas.microsoft.com/office/drawing/2014/main" id="{53A70EF4-0D0E-48E3-8D5D-32A90FA18D87}"/>
                 </a:ext>
               </a:extLst>
             </p:cNvPr>
@@ -5897,10 +5897,10 @@
         </p:sp>
         <p:sp>
           <p:nvSpPr>
-            <p:cNvPr id="105" name="Flowchart: Decision 96">
+            <p:cNvPr id="147" name="Flowchart: Decision 96">
               <a:extLst>
                 <a:ext uri="{FF2B5EF4-FFF2-40B4-BE49-F238E27FC236}">
-                  <a16:creationId xmlns:a16="http://schemas.microsoft.com/office/drawing/2014/main" id="{7AAD7D55-9649-4F95-AB89-109C87D984CD}"/>
+                  <a16:creationId xmlns:a16="http://schemas.microsoft.com/office/drawing/2014/main" id="{0E3A38D3-D4D8-43DD-8966-1F094715BA71}"/>
                 </a:ext>
               </a:extLst>
             </p:cNvPr>
@@ -5950,10 +5950,10 @@
         </p:sp>
         <p:sp>
           <p:nvSpPr>
-            <p:cNvPr id="106" name="Rectangle 8">
+            <p:cNvPr id="148" name="Rectangle 8">
               <a:extLst>
                 <a:ext uri="{FF2B5EF4-FFF2-40B4-BE49-F238E27FC236}">
-                  <a16:creationId xmlns:a16="http://schemas.microsoft.com/office/drawing/2014/main" id="{08B5EB12-54B2-455A-BDEE-665C9BD623A3}"/>
+                  <a16:creationId xmlns:a16="http://schemas.microsoft.com/office/drawing/2014/main" id="{6902F492-9CCE-4015-80EF-0799A906ABFD}"/>
                 </a:ext>
               </a:extLst>
             </p:cNvPr>
@@ -6012,10 +6012,10 @@
         </p:sp>
         <p:sp>
           <p:nvSpPr>
-            <p:cNvPr id="108" name="Rectangle 8">
+            <p:cNvPr id="149" name="Rectangle 8">
               <a:extLst>
                 <a:ext uri="{FF2B5EF4-FFF2-40B4-BE49-F238E27FC236}">
-                  <a16:creationId xmlns:a16="http://schemas.microsoft.com/office/drawing/2014/main" id="{8019C4E5-0A4E-447A-92E2-FA3953CC0E76}"/>
+                  <a16:creationId xmlns:a16="http://schemas.microsoft.com/office/drawing/2014/main" id="{630D2A4F-ABA7-4068-8522-28D8233FECF7}"/>
                 </a:ext>
               </a:extLst>
             </p:cNvPr>
@@ -6074,17 +6074,17 @@
         </p:sp>
         <p:cxnSp>
           <p:nvCxnSpPr>
-            <p:cNvPr id="109" name="Elbow Connector 29">
+            <p:cNvPr id="150" name="Elbow Connector 29">
               <a:extLst>
                 <a:ext uri="{FF2B5EF4-FFF2-40B4-BE49-F238E27FC236}">
-                  <a16:creationId xmlns:a16="http://schemas.microsoft.com/office/drawing/2014/main" id="{C3FCC36A-C158-4767-82BB-1F3604373905}"/>
+                  <a16:creationId xmlns:a16="http://schemas.microsoft.com/office/drawing/2014/main" id="{1F6AFB35-7359-45C2-8C71-58944311AA58}"/>
                 </a:ext>
               </a:extLst>
             </p:cNvPr>
             <p:cNvCxnSpPr>
               <a:cxnSpLocks/>
-              <a:stCxn id="72" idx="3"/>
-              <a:endCxn id="106" idx="1"/>
+              <a:stCxn id="79" idx="3"/>
+              <a:endCxn id="148" idx="1"/>
             </p:cNvCxnSpPr>
             <p:nvPr/>
           </p:nvCxnSpPr>
@@ -6124,10 +6124,10 @@
         </p:cxnSp>
         <p:sp>
           <p:nvSpPr>
-            <p:cNvPr id="110" name="TextBox 109">
+            <p:cNvPr id="151" name="TextBox 150">
               <a:extLst>
                 <a:ext uri="{FF2B5EF4-FFF2-40B4-BE49-F238E27FC236}">
-                  <a16:creationId xmlns:a16="http://schemas.microsoft.com/office/drawing/2014/main" id="{1B8876EF-0A49-4054-91C1-AA8CE13DD2FA}"/>
+                  <a16:creationId xmlns:a16="http://schemas.microsoft.com/office/drawing/2014/main" id="{DBB561A7-8290-40B6-8661-0C5770FAFFB6}"/>
                 </a:ext>
               </a:extLst>
             </p:cNvPr>
@@ -6169,17 +6169,17 @@
         </p:sp>
         <p:cxnSp>
           <p:nvCxnSpPr>
-            <p:cNvPr id="111" name="Elbow Connector 29">
+            <p:cNvPr id="152" name="Elbow Connector 29">
               <a:extLst>
                 <a:ext uri="{FF2B5EF4-FFF2-40B4-BE49-F238E27FC236}">
-                  <a16:creationId xmlns:a16="http://schemas.microsoft.com/office/drawing/2014/main" id="{D18AA67D-47BD-478C-80D3-8ED4CF2F0406}"/>
+                  <a16:creationId xmlns:a16="http://schemas.microsoft.com/office/drawing/2014/main" id="{7D6F082D-6A7C-49D8-802A-E12D9C0BA585}"/>
                 </a:ext>
               </a:extLst>
             </p:cNvPr>
             <p:cNvCxnSpPr>
               <a:cxnSpLocks/>
-              <a:stCxn id="72" idx="3"/>
-              <a:endCxn id="108" idx="1"/>
+              <a:stCxn id="79" idx="3"/>
+              <a:endCxn id="149" idx="1"/>
             </p:cNvCxnSpPr>
             <p:nvPr/>
           </p:nvCxnSpPr>
@@ -6219,10 +6219,10 @@
         </p:cxnSp>
         <p:sp>
           <p:nvSpPr>
-            <p:cNvPr id="112" name="TextBox 111">
+            <p:cNvPr id="153" name="TextBox 152">
               <a:extLst>
                 <a:ext uri="{FF2B5EF4-FFF2-40B4-BE49-F238E27FC236}">
-                  <a16:creationId xmlns:a16="http://schemas.microsoft.com/office/drawing/2014/main" id="{CBB2ABF5-C82A-4520-84A1-C0A109F85434}"/>
+                  <a16:creationId xmlns:a16="http://schemas.microsoft.com/office/drawing/2014/main" id="{8FADD305-0467-491F-8324-7D3552A71634}"/>
                 </a:ext>
               </a:extLst>
             </p:cNvPr>
@@ -6264,10 +6264,10 @@
         </p:sp>
         <p:grpSp>
           <p:nvGrpSpPr>
-            <p:cNvPr id="113" name="Group 112">
+            <p:cNvPr id="154" name="Group 153">
               <a:extLst>
                 <a:ext uri="{FF2B5EF4-FFF2-40B4-BE49-F238E27FC236}">
-                  <a16:creationId xmlns:a16="http://schemas.microsoft.com/office/drawing/2014/main" id="{3840B0F9-C99B-4500-98E2-692764756899}"/>
+                  <a16:creationId xmlns:a16="http://schemas.microsoft.com/office/drawing/2014/main" id="{0A9E17DA-153D-402A-B8EF-88B3F7471010}"/>
                 </a:ext>
               </a:extLst>
             </p:cNvPr>
@@ -6275,7 +6275,7 @@
             <p:nvPr/>
           </p:nvGrpSpPr>
           <p:grpSpPr>
-            <a:xfrm>
+            <a:xfrm rot="10800000">
               <a:off x="5627736" y="2263462"/>
               <a:ext cx="110227" cy="213864"/>
               <a:chOff x="5627736" y="2263462"/>
@@ -6284,17 +6284,17 @@
           </p:grpSpPr>
           <p:cxnSp>
             <p:nvCxnSpPr>
-              <p:cNvPr id="115" name="Elbow Connector 78">
+              <p:cNvPr id="155" name="Elbow Connector 78">
                 <a:extLst>
                   <a:ext uri="{FF2B5EF4-FFF2-40B4-BE49-F238E27FC236}">
-                    <a16:creationId xmlns:a16="http://schemas.microsoft.com/office/drawing/2014/main" id="{41B9F04E-BB3E-40C2-905B-7C54D37B0DFC}"/>
+                    <a16:creationId xmlns:a16="http://schemas.microsoft.com/office/drawing/2014/main" id="{16F5FE5C-7168-47C1-AE5E-6F9A54376B5D}"/>
                   </a:ext>
                 </a:extLst>
               </p:cNvPr>
               <p:cNvCxnSpPr>
                 <a:cxnSpLocks/>
-                <a:stCxn id="74" idx="0"/>
-                <a:endCxn id="116" idx="3"/>
+                <a:stCxn id="81" idx="0"/>
+                <a:endCxn id="156" idx="3"/>
               </p:cNvCxnSpPr>
               <p:nvPr/>
             </p:nvCxnSpPr>
@@ -6334,10 +6334,10 @@
           </p:cxnSp>
           <p:sp>
             <p:nvSpPr>
-              <p:cNvPr id="116" name="Isosceles Triangle 115">
+              <p:cNvPr id="156" name="Isosceles Triangle 155">
                 <a:extLst>
                   <a:ext uri="{FF2B5EF4-FFF2-40B4-BE49-F238E27FC236}">
-                    <a16:creationId xmlns:a16="http://schemas.microsoft.com/office/drawing/2014/main" id="{B92F9B35-E1B1-4657-A997-6968D8A4DD3A}"/>
+                    <a16:creationId xmlns:a16="http://schemas.microsoft.com/office/drawing/2014/main" id="{AC2E443C-47F4-48BA-A7E2-3A8972EC5CBE}"/>
                   </a:ext>
                 </a:extLst>
               </p:cNvPr>
@@ -6387,10 +6387,10 @@
         </p:grpSp>
         <p:sp>
           <p:nvSpPr>
-            <p:cNvPr id="117" name="Rectangle 8">
+            <p:cNvPr id="157" name="Rectangle 8">
               <a:extLst>
                 <a:ext uri="{FF2B5EF4-FFF2-40B4-BE49-F238E27FC236}">
-                  <a16:creationId xmlns:a16="http://schemas.microsoft.com/office/drawing/2014/main" id="{303DB092-E95C-49B6-840F-9E38C23E870D}"/>
+                  <a16:creationId xmlns:a16="http://schemas.microsoft.com/office/drawing/2014/main" id="{6CBED7D1-3C04-4F84-B5DA-3FAA2AAA2664}"/>
                 </a:ext>
               </a:extLst>
             </p:cNvPr>
@@ -6449,10 +6449,10 @@
         </p:sp>
         <p:sp>
           <p:nvSpPr>
-            <p:cNvPr id="121" name="TextBox 120">
+            <p:cNvPr id="158" name="TextBox 157">
               <a:extLst>
                 <a:ext uri="{FF2B5EF4-FFF2-40B4-BE49-F238E27FC236}">
-                  <a16:creationId xmlns:a16="http://schemas.microsoft.com/office/drawing/2014/main" id="{21F3A875-1ABA-46A2-B7EF-AF7965C65B23}"/>
+                  <a16:creationId xmlns:a16="http://schemas.microsoft.com/office/drawing/2014/main" id="{29E68A35-07AF-4E27-8491-96C0B7A37056}"/>
                 </a:ext>
               </a:extLst>
             </p:cNvPr>
@@ -6494,10 +6494,10 @@
         </p:sp>
         <p:sp>
           <p:nvSpPr>
-            <p:cNvPr id="123" name="Flowchart: Decision 122">
+            <p:cNvPr id="159" name="Flowchart: Decision 158">
               <a:extLst>
                 <a:ext uri="{FF2B5EF4-FFF2-40B4-BE49-F238E27FC236}">
-                  <a16:creationId xmlns:a16="http://schemas.microsoft.com/office/drawing/2014/main" id="{2FE3BB63-C9B0-4503-8152-7739D3FC480A}"/>
+                  <a16:creationId xmlns:a16="http://schemas.microsoft.com/office/drawing/2014/main" id="{619C44C8-E2BE-4785-A4EB-0C67EDB5EC65}"/>
                 </a:ext>
               </a:extLst>
             </p:cNvPr>
@@ -6547,10 +6547,10 @@
         </p:sp>
         <p:cxnSp>
           <p:nvCxnSpPr>
-            <p:cNvPr id="125" name="Elbow Connector 63">
+            <p:cNvPr id="160" name="Elbow Connector 63">
               <a:extLst>
                 <a:ext uri="{FF2B5EF4-FFF2-40B4-BE49-F238E27FC236}">
-                  <a16:creationId xmlns:a16="http://schemas.microsoft.com/office/drawing/2014/main" id="{D2BF2BFA-2F15-4308-94BD-CEF6E21290B0}"/>
+                  <a16:creationId xmlns:a16="http://schemas.microsoft.com/office/drawing/2014/main" id="{6D49C163-CA74-420D-9DF4-66C0112F8E33}"/>
                 </a:ext>
               </a:extLst>
             </p:cNvPr>
@@ -6593,10 +6593,10 @@
         </p:cxnSp>
         <p:sp>
           <p:nvSpPr>
-            <p:cNvPr id="126" name="Rectangle 8">
+            <p:cNvPr id="161" name="Rectangle 8">
               <a:extLst>
                 <a:ext uri="{FF2B5EF4-FFF2-40B4-BE49-F238E27FC236}">
-                  <a16:creationId xmlns:a16="http://schemas.microsoft.com/office/drawing/2014/main" id="{890A3995-E893-4BA9-9FD3-A1BD3E31CA67}"/>
+                  <a16:creationId xmlns:a16="http://schemas.microsoft.com/office/drawing/2014/main" id="{C5772C28-C1DD-4E9D-B89A-B181B28C40CE}"/>
                 </a:ext>
               </a:extLst>
             </p:cNvPr>
@@ -6655,10 +6655,10 @@
         </p:sp>
         <p:sp>
           <p:nvSpPr>
-            <p:cNvPr id="127" name="TextBox 126">
+            <p:cNvPr id="162" name="TextBox 161">
               <a:extLst>
                 <a:ext uri="{FF2B5EF4-FFF2-40B4-BE49-F238E27FC236}">
-                  <a16:creationId xmlns:a16="http://schemas.microsoft.com/office/drawing/2014/main" id="{7ACF14A0-2B93-47AE-BC30-954B2B1A5AC5}"/>
+                  <a16:creationId xmlns:a16="http://schemas.microsoft.com/office/drawing/2014/main" id="{D3BF9F26-AC03-4A52-B984-9CB088A66B7C}"/>
                 </a:ext>
               </a:extLst>
             </p:cNvPr>
@@ -6700,10 +6700,10 @@
         </p:sp>
         <p:sp>
           <p:nvSpPr>
-            <p:cNvPr id="128" name="Flowchart: Decision 127">
+            <p:cNvPr id="163" name="Flowchart: Decision 162">
               <a:extLst>
                 <a:ext uri="{FF2B5EF4-FFF2-40B4-BE49-F238E27FC236}">
-                  <a16:creationId xmlns:a16="http://schemas.microsoft.com/office/drawing/2014/main" id="{FAACCC7A-D57C-4F38-A273-D8DAC75B3789}"/>
+                  <a16:creationId xmlns:a16="http://schemas.microsoft.com/office/drawing/2014/main" id="{C3D1A46C-1900-416C-B7B7-3A3D9C0CB449}"/>
                 </a:ext>
               </a:extLst>
             </p:cNvPr>
@@ -6753,10 +6753,10 @@
         </p:sp>
         <p:cxnSp>
           <p:nvCxnSpPr>
-            <p:cNvPr id="129" name="Elbow Connector 63">
+            <p:cNvPr id="164" name="Elbow Connector 63">
               <a:extLst>
                 <a:ext uri="{FF2B5EF4-FFF2-40B4-BE49-F238E27FC236}">
-                  <a16:creationId xmlns:a16="http://schemas.microsoft.com/office/drawing/2014/main" id="{5BEEDB5C-3615-4646-8FE0-7D19AF1E6579}"/>
+                  <a16:creationId xmlns:a16="http://schemas.microsoft.com/office/drawing/2014/main" id="{D491643E-0CA3-41D0-8AF1-B2CF1F0272DE}"/>
                 </a:ext>
               </a:extLst>
             </p:cNvPr>
@@ -6799,10 +6799,10 @@
         </p:cxnSp>
         <p:sp>
           <p:nvSpPr>
-            <p:cNvPr id="130" name="Flowchart: Decision 96">
+            <p:cNvPr id="165" name="Flowchart: Decision 96">
               <a:extLst>
                 <a:ext uri="{FF2B5EF4-FFF2-40B4-BE49-F238E27FC236}">
-                  <a16:creationId xmlns:a16="http://schemas.microsoft.com/office/drawing/2014/main" id="{F8BFD004-457B-4DC8-93B8-E3EC1B00B0FF}"/>
+                  <a16:creationId xmlns:a16="http://schemas.microsoft.com/office/drawing/2014/main" id="{F5F0B322-8288-410B-B878-407447542DFD}"/>
                 </a:ext>
               </a:extLst>
             </p:cNvPr>
@@ -6852,10 +6852,10 @@
         </p:sp>
         <p:sp>
           <p:nvSpPr>
-            <p:cNvPr id="131" name="Flowchart: Decision 96">
+            <p:cNvPr id="166" name="Flowchart: Decision 96">
               <a:extLst>
                 <a:ext uri="{FF2B5EF4-FFF2-40B4-BE49-F238E27FC236}">
-                  <a16:creationId xmlns:a16="http://schemas.microsoft.com/office/drawing/2014/main" id="{A757A068-4AFB-4741-85E5-1A216257BA4C}"/>
+                  <a16:creationId xmlns:a16="http://schemas.microsoft.com/office/drawing/2014/main" id="{7CDFF530-9182-4ECB-83DB-AAC80252CC8D}"/>
                 </a:ext>
               </a:extLst>
             </p:cNvPr>
@@ -6905,10 +6905,10 @@
         </p:sp>
         <p:sp>
           <p:nvSpPr>
-            <p:cNvPr id="132" name="Flowchart: Decision 96">
+            <p:cNvPr id="167" name="Flowchart: Decision 96">
               <a:extLst>
                 <a:ext uri="{FF2B5EF4-FFF2-40B4-BE49-F238E27FC236}">
-                  <a16:creationId xmlns:a16="http://schemas.microsoft.com/office/drawing/2014/main" id="{B17A4A95-3162-4CA9-9F71-48B4527A526F}"/>
+                  <a16:creationId xmlns:a16="http://schemas.microsoft.com/office/drawing/2014/main" id="{8B9D2305-8623-4FB0-8514-D93E4B42AC6A}"/>
                 </a:ext>
               </a:extLst>
             </p:cNvPr>
@@ -6958,17 +6958,17 @@
         </p:sp>
         <p:cxnSp>
           <p:nvCxnSpPr>
-            <p:cNvPr id="133" name="Elbow Connector 85">
+            <p:cNvPr id="168" name="Elbow Connector 85">
               <a:extLst>
                 <a:ext uri="{FF2B5EF4-FFF2-40B4-BE49-F238E27FC236}">
-                  <a16:creationId xmlns:a16="http://schemas.microsoft.com/office/drawing/2014/main" id="{8B930714-F061-4371-9D42-6A528CAC8EA5}"/>
+                  <a16:creationId xmlns:a16="http://schemas.microsoft.com/office/drawing/2014/main" id="{12B5EB3B-27A0-415A-A831-46A7DC032D1E}"/>
                 </a:ext>
               </a:extLst>
             </p:cNvPr>
             <p:cNvCxnSpPr>
               <a:cxnSpLocks/>
-              <a:stCxn id="130" idx="3"/>
-              <a:endCxn id="90" idx="1"/>
+              <a:stCxn id="165" idx="3"/>
+              <a:endCxn id="114" idx="1"/>
             </p:cNvCxnSpPr>
             <p:nvPr/>
           </p:nvCxnSpPr>
@@ -7006,17 +7006,17 @@
         </p:cxnSp>
         <p:cxnSp>
           <p:nvCxnSpPr>
-            <p:cNvPr id="134" name="Elbow Connector 85">
+            <p:cNvPr id="169" name="Elbow Connector 85">
               <a:extLst>
                 <a:ext uri="{FF2B5EF4-FFF2-40B4-BE49-F238E27FC236}">
-                  <a16:creationId xmlns:a16="http://schemas.microsoft.com/office/drawing/2014/main" id="{F58C9180-44F7-4C61-82C1-5DC4D1D1D9A8}"/>
+                  <a16:creationId xmlns:a16="http://schemas.microsoft.com/office/drawing/2014/main" id="{B0562FE8-1749-4CDE-B0C9-05C433D57773}"/>
                 </a:ext>
               </a:extLst>
             </p:cNvPr>
             <p:cNvCxnSpPr>
               <a:cxnSpLocks/>
-              <a:stCxn id="131" idx="3"/>
-              <a:endCxn id="91" idx="1"/>
+              <a:stCxn id="166" idx="3"/>
+              <a:endCxn id="136" idx="1"/>
             </p:cNvCxnSpPr>
             <p:nvPr/>
           </p:nvCxnSpPr>
@@ -7056,17 +7056,17 @@
         </p:cxnSp>
         <p:cxnSp>
           <p:nvCxnSpPr>
-            <p:cNvPr id="135" name="Elbow Connector 85">
+            <p:cNvPr id="170" name="Elbow Connector 85">
               <a:extLst>
                 <a:ext uri="{FF2B5EF4-FFF2-40B4-BE49-F238E27FC236}">
-                  <a16:creationId xmlns:a16="http://schemas.microsoft.com/office/drawing/2014/main" id="{2A3C2FC4-0E5E-4BFD-A7D5-85D5C4094C71}"/>
+                  <a16:creationId xmlns:a16="http://schemas.microsoft.com/office/drawing/2014/main" id="{BA07FBC2-C349-457D-B585-9C755DC05149}"/>
                 </a:ext>
               </a:extLst>
             </p:cNvPr>
             <p:cNvCxnSpPr>
               <a:cxnSpLocks/>
-              <a:stCxn id="132" idx="3"/>
-              <a:endCxn id="92" idx="1"/>
+              <a:stCxn id="167" idx="3"/>
+              <a:endCxn id="137" idx="1"/>
             </p:cNvCxnSpPr>
             <p:nvPr/>
           </p:nvCxnSpPr>
@@ -7079,6 +7079,225 @@
               <a:avLst>
                 <a:gd name="adj1" fmla="val 48132"/>
               </a:avLst>
+            </a:prstGeom>
+            <a:ln w="19050">
+              <a:solidFill>
+                <a:srgbClr val="7030A0"/>
+              </a:solidFill>
+              <a:headEnd type="none" w="med" len="med"/>
+              <a:tailEnd type="arrow" w="med" len="med"/>
+            </a:ln>
+            <a:effectLst/>
+          </p:spPr>
+          <p:style>
+            <a:lnRef idx="1">
+              <a:schemeClr val="accent2"/>
+            </a:lnRef>
+            <a:fillRef idx="2">
+              <a:schemeClr val="accent2"/>
+            </a:fillRef>
+            <a:effectRef idx="1">
+              <a:schemeClr val="accent2"/>
+            </a:effectRef>
+            <a:fontRef idx="minor">
+              <a:schemeClr val="dk1"/>
+            </a:fontRef>
+          </p:style>
+        </p:cxnSp>
+        <p:sp>
+          <p:nvSpPr>
+            <p:cNvPr id="171" name="Rectangle 8">
+              <a:extLst>
+                <a:ext uri="{FF2B5EF4-FFF2-40B4-BE49-F238E27FC236}">
+                  <a16:creationId xmlns:a16="http://schemas.microsoft.com/office/drawing/2014/main" id="{57586370-CF48-4DF2-9913-CC2844F76659}"/>
+                </a:ext>
+              </a:extLst>
+            </p:cNvPr>
+            <p:cNvSpPr/>
+            <p:nvPr/>
+          </p:nvSpPr>
+          <p:spPr>
+            <a:xfrm>
+              <a:off x="6856730" y="1784998"/>
+              <a:ext cx="1004569" cy="285783"/>
+            </a:xfrm>
+            <a:prstGeom prst="rect">
+              <a:avLst/>
+            </a:prstGeom>
+            <a:ln w="19050">
+              <a:solidFill>
+                <a:srgbClr val="7030A0"/>
+              </a:solidFill>
+            </a:ln>
+            <a:effectLst/>
+          </p:spPr>
+          <p:style>
+            <a:lnRef idx="1">
+              <a:schemeClr val="accent4"/>
+            </a:lnRef>
+            <a:fillRef idx="2">
+              <a:schemeClr val="accent4"/>
+            </a:fillRef>
+            <a:effectRef idx="1">
+              <a:schemeClr val="accent4"/>
+            </a:effectRef>
+            <a:fontRef idx="minor">
+              <a:schemeClr val="dk1"/>
+            </a:fontRef>
+          </p:style>
+          <p:txBody>
+            <a:bodyPr rtlCol="0" anchor="ctr"/>
+            <a:lstStyle/>
+            <a:p>
+              <a:pPr algn="ctr"/>
+              <a:r>
+                <a:rPr lang="en-US" sz="1050" dirty="0">
+                  <a:solidFill>
+                    <a:srgbClr val="7030A0"/>
+                  </a:solidFill>
+                </a:rPr>
+                <a:t>Frequency</a:t>
+              </a:r>
+              <a:endParaRPr lang="en-SG" sz="1050" dirty="0">
+                <a:solidFill>
+                  <a:srgbClr val="7030A0"/>
+                </a:solidFill>
+              </a:endParaRPr>
+            </a:p>
+          </p:txBody>
+        </p:sp>
+        <p:sp>
+          <p:nvSpPr>
+            <p:cNvPr id="172" name="Rectangle 8">
+              <a:extLst>
+                <a:ext uri="{FF2B5EF4-FFF2-40B4-BE49-F238E27FC236}">
+                  <a16:creationId xmlns:a16="http://schemas.microsoft.com/office/drawing/2014/main" id="{087ABE8F-1A25-4468-A30A-892C304DA6C3}"/>
+                </a:ext>
+              </a:extLst>
+            </p:cNvPr>
+            <p:cNvSpPr/>
+            <p:nvPr/>
+          </p:nvSpPr>
+          <p:spPr>
+            <a:xfrm>
+              <a:off x="6856729" y="1455446"/>
+              <a:ext cx="1004569" cy="285783"/>
+            </a:xfrm>
+            <a:prstGeom prst="rect">
+              <a:avLst/>
+            </a:prstGeom>
+            <a:ln w="19050">
+              <a:solidFill>
+                <a:srgbClr val="7030A0"/>
+              </a:solidFill>
+            </a:ln>
+            <a:effectLst/>
+          </p:spPr>
+          <p:style>
+            <a:lnRef idx="1">
+              <a:schemeClr val="accent4"/>
+            </a:lnRef>
+            <a:fillRef idx="2">
+              <a:schemeClr val="accent4"/>
+            </a:fillRef>
+            <a:effectRef idx="1">
+              <a:schemeClr val="accent4"/>
+            </a:effectRef>
+            <a:fontRef idx="minor">
+              <a:schemeClr val="dk1"/>
+            </a:fontRef>
+          </p:style>
+          <p:txBody>
+            <a:bodyPr rtlCol="0" anchor="ctr"/>
+            <a:lstStyle/>
+            <a:p>
+              <a:pPr algn="ctr"/>
+              <a:r>
+                <a:rPr lang="en-US" sz="1050" dirty="0">
+                  <a:solidFill>
+                    <a:srgbClr val="7030A0"/>
+                  </a:solidFill>
+                </a:rPr>
+                <a:t>Occurrence</a:t>
+              </a:r>
+              <a:endParaRPr lang="en-SG" sz="1050" dirty="0">
+                <a:solidFill>
+                  <a:srgbClr val="7030A0"/>
+                </a:solidFill>
+              </a:endParaRPr>
+            </a:p>
+          </p:txBody>
+        </p:sp>
+        <p:cxnSp>
+          <p:nvCxnSpPr>
+            <p:cNvPr id="173" name="Elbow Connector 85">
+              <a:extLst>
+                <a:ext uri="{FF2B5EF4-FFF2-40B4-BE49-F238E27FC236}">
+                  <a16:creationId xmlns:a16="http://schemas.microsoft.com/office/drawing/2014/main" id="{E2C3A386-A532-40A4-B24A-564D0B4C6F7E}"/>
+                </a:ext>
+              </a:extLst>
+            </p:cNvPr>
+            <p:cNvCxnSpPr>
+              <a:cxnSpLocks/>
+              <a:stCxn id="86" idx="0"/>
+              <a:endCxn id="172" idx="1"/>
+            </p:cNvCxnSpPr>
+            <p:nvPr/>
+          </p:nvCxnSpPr>
+          <p:spPr>
+            <a:xfrm rot="5400000" flipH="1" flipV="1">
+              <a:off x="6289459" y="1463708"/>
+              <a:ext cx="432639" cy="701901"/>
+            </a:xfrm>
+            <a:prstGeom prst="bentConnector2">
+              <a:avLst/>
+            </a:prstGeom>
+            <a:ln w="19050">
+              <a:solidFill>
+                <a:srgbClr val="7030A0"/>
+              </a:solidFill>
+              <a:headEnd type="none" w="med" len="med"/>
+              <a:tailEnd type="arrow" w="med" len="med"/>
+            </a:ln>
+            <a:effectLst/>
+          </p:spPr>
+          <p:style>
+            <a:lnRef idx="1">
+              <a:schemeClr val="accent2"/>
+            </a:lnRef>
+            <a:fillRef idx="2">
+              <a:schemeClr val="accent2"/>
+            </a:fillRef>
+            <a:effectRef idx="1">
+              <a:schemeClr val="accent2"/>
+            </a:effectRef>
+            <a:fontRef idx="minor">
+              <a:schemeClr val="dk1"/>
+            </a:fontRef>
+          </p:style>
+        </p:cxnSp>
+        <p:cxnSp>
+          <p:nvCxnSpPr>
+            <p:cNvPr id="174" name="Elbow Connector 78">
+              <a:extLst>
+                <a:ext uri="{FF2B5EF4-FFF2-40B4-BE49-F238E27FC236}">
+                  <a16:creationId xmlns:a16="http://schemas.microsoft.com/office/drawing/2014/main" id="{00C35DAA-4D4C-43A2-BB0C-42DF25647DEB}"/>
+                </a:ext>
+              </a:extLst>
+            </p:cNvPr>
+            <p:cNvCxnSpPr>
+              <a:cxnSpLocks/>
+              <a:endCxn id="171" idx="1"/>
+            </p:cNvCxnSpPr>
+            <p:nvPr/>
+          </p:nvCxnSpPr>
+          <p:spPr>
+            <a:xfrm flipV="1">
+              <a:off x="6167528" y="1927890"/>
+              <a:ext cx="689202" cy="2794"/>
+            </a:xfrm>
+            <a:prstGeom prst="bentConnector3">
+              <a:avLst/>
             </a:prstGeom>
             <a:ln w="19050">
               <a:solidFill>
